--- a/AnalogeElektronica2/PowerPoint/berekening.pptx
+++ b/AnalogeElektronica2/PowerPoint/berekening.pptx
@@ -698,7 +698,7 @@
           <a:p>
             <a:fld id="{8F591CCF-F6FD-734B-854A-5BC033593B1E}" type="datetimeFigureOut">
               <a:rPr lang="nl-NL" smtClean="0"/>
-              <a:t>20-9-2025</a:t>
+              <a:t>21-9-2025</a:t>
             </a:fld>
             <a:endParaRPr lang="nl-NL"/>
           </a:p>
@@ -863,7 +863,7 @@
           <a:p>
             <a:fld id="{23C66214-DB21-4647-B5DA-0D17CA592867}" type="datetimeFigureOut">
               <a:rPr lang="nl-NL" smtClean="0"/>
-              <a:t>20-9-2025</a:t>
+              <a:t>21-9-2025</a:t>
             </a:fld>
             <a:endParaRPr lang="nl-NL"/>
           </a:p>
@@ -1474,7 +1474,7 @@
           <a:p>
             <a:fld id="{D15822B7-9EF6-9542-AF10-CD505E021A84}" type="datetime1">
               <a:rPr lang="nl-BE" smtClean="0"/>
-              <a:t>20/09/2025</a:t>
+              <a:t>21/09/2025</a:t>
             </a:fld>
             <a:endParaRPr lang="nl-NL"/>
           </a:p>
@@ -1724,7 +1724,7 @@
           <a:p>
             <a:fld id="{D15822B7-9EF6-9542-AF10-CD505E021A84}" type="datetime1">
               <a:rPr lang="nl-BE" smtClean="0"/>
-              <a:t>20/09/2025</a:t>
+              <a:t>21/09/2025</a:t>
             </a:fld>
             <a:endParaRPr lang="nl-NL"/>
           </a:p>
@@ -2007,7 +2007,7 @@
           <a:p>
             <a:fld id="{F52CA13D-CC20-034F-8D4D-5C3038626ED9}" type="datetime1">
               <a:rPr lang="nl-BE" smtClean="0"/>
-              <a:t>20/09/2025</a:t>
+              <a:t>21/09/2025</a:t>
             </a:fld>
             <a:endParaRPr lang="nl-NL"/>
           </a:p>
@@ -2287,8 +2287,8 @@
         </p:nvSpPr>
         <p:spPr>
           <a:xfrm>
-            <a:off x="576000" y="2232000"/>
-            <a:ext cx="11006400" cy="3820646"/>
+            <a:off x="576000" y="800401"/>
+            <a:ext cx="11006400" cy="5252245"/>
           </a:xfrm>
         </p:spPr>
         <p:txBody>
@@ -2359,7 +2359,7 @@
           <a:p>
             <a:fld id="{F52CA13D-CC20-034F-8D4D-5C3038626ED9}" type="datetime1">
               <a:rPr lang="nl-BE" smtClean="0"/>
-              <a:t>20/09/2025</a:t>
+              <a:t>21/09/2025</a:t>
             </a:fld>
             <a:endParaRPr lang="nl-NL"/>
           </a:p>
@@ -2477,7 +2477,7 @@
         </p:nvSpPr>
         <p:spPr>
           <a:xfrm>
-            <a:off x="576000" y="576001"/>
+            <a:off x="576000" y="4501"/>
             <a:ext cx="11041200" cy="648000"/>
           </a:xfrm>
         </p:spPr>
@@ -2537,8 +2537,8 @@
         </p:nvGrpSpPr>
         <p:grpSpPr>
           <a:xfrm>
-            <a:off x="125506" y="1312858"/>
-            <a:ext cx="11821095" cy="4739788"/>
+            <a:off x="125506" y="731855"/>
+            <a:ext cx="11821095" cy="5320791"/>
             <a:chOff x="0" y="-241102"/>
             <a:chExt cx="23088432" cy="12605757"/>
           </a:xfrm>
@@ -3483,8 +3483,8 @@
         </p:nvSpPr>
         <p:spPr>
           <a:xfrm>
-            <a:off x="245399" y="1810310"/>
-            <a:ext cx="11605942" cy="4175637"/>
+            <a:off x="245399" y="1280788"/>
+            <a:ext cx="11605942" cy="4705159"/>
           </a:xfrm>
           <a:noFill/>
         </p:spPr>
@@ -3592,7 +3592,7 @@
           <a:p>
             <a:fld id="{F52CA13D-CC20-034F-8D4D-5C3038626ED9}" type="datetime1">
               <a:rPr lang="nl-BE" smtClean="0"/>
-              <a:t>20/09/2025</a:t>
+              <a:t>21/09/2025</a:t>
             </a:fld>
             <a:endParaRPr lang="nl-NL"/>
           </a:p>
@@ -3710,7 +3710,7 @@
         </p:nvSpPr>
         <p:spPr>
           <a:xfrm>
-            <a:off x="576000" y="576000"/>
+            <a:off x="576000" y="4500"/>
             <a:ext cx="11041200" cy="579455"/>
           </a:xfrm>
         </p:spPr>
@@ -3813,7 +3813,7 @@
           <a:p>
             <a:fld id="{F52CA13D-CC20-034F-8D4D-5C3038626ED9}" type="datetime1">
               <a:rPr lang="nl-BE" smtClean="0"/>
-              <a:t>20/09/2025</a:t>
+              <a:t>21/09/2025</a:t>
             </a:fld>
             <a:endParaRPr lang="nl-NL"/>
           </a:p>
@@ -3931,7 +3931,7 @@
         </p:nvSpPr>
         <p:spPr>
           <a:xfrm>
-            <a:off x="576000" y="576001"/>
+            <a:off x="576000" y="4501"/>
             <a:ext cx="11041200" cy="648000"/>
           </a:xfrm>
         </p:spPr>
@@ -4024,8 +4024,8 @@
         </p:nvSpPr>
         <p:spPr>
           <a:xfrm>
-            <a:off x="576000" y="1688400"/>
-            <a:ext cx="11006400" cy="4364246"/>
+            <a:off x="576000" y="811831"/>
+            <a:ext cx="11006400" cy="5240815"/>
           </a:xfrm>
         </p:spPr>
         <p:txBody>
@@ -4104,7 +4104,7 @@
           <a:p>
             <a:fld id="{F52CA13D-CC20-034F-8D4D-5C3038626ED9}" type="datetime1">
               <a:rPr lang="nl-BE" smtClean="0"/>
-              <a:t>20/09/2025</a:t>
+              <a:t>21/09/2025</a:t>
             </a:fld>
             <a:endParaRPr lang="nl-NL"/>
           </a:p>
@@ -4222,7 +4222,7 @@
         </p:nvSpPr>
         <p:spPr>
           <a:xfrm>
-            <a:off x="576000" y="576000"/>
+            <a:off x="576000" y="15930"/>
             <a:ext cx="11041200" cy="648001"/>
           </a:xfrm>
         </p:spPr>
@@ -4231,10 +4231,10 @@
           <a:lstStyle/>
           <a:p>
             <a:r>
-              <a:rPr lang="en-US"/>
+              <a:rPr lang="en-US" dirty="0"/>
               <a:t>Click to edit Master title style</a:t>
             </a:r>
-            <a:endParaRPr lang="en-GB"/>
+            <a:endParaRPr lang="en-GB" dirty="0"/>
           </a:p>
         </p:txBody>
       </p:sp>
@@ -4286,8 +4286,8 @@
         </p:nvSpPr>
         <p:spPr>
           <a:xfrm>
-            <a:off x="576000" y="1531620"/>
-            <a:ext cx="11006400" cy="4521026"/>
+            <a:off x="576000" y="868680"/>
+            <a:ext cx="11006400" cy="5183966"/>
           </a:xfrm>
         </p:spPr>
         <p:txBody>
@@ -4358,7 +4358,7 @@
           <a:p>
             <a:fld id="{F52CA13D-CC20-034F-8D4D-5C3038626ED9}" type="datetime1">
               <a:rPr lang="nl-BE" smtClean="0"/>
-              <a:t>20/09/2025</a:t>
+              <a:t>21/09/2025</a:t>
             </a:fld>
             <a:endParaRPr lang="nl-NL"/>
           </a:p>
@@ -4476,7 +4476,7 @@
         </p:nvSpPr>
         <p:spPr>
           <a:xfrm>
-            <a:off x="576000" y="576001"/>
+            <a:off x="576000" y="15931"/>
             <a:ext cx="11041200" cy="650366"/>
           </a:xfrm>
         </p:spPr>
@@ -4571,7 +4571,7 @@
           <a:p>
             <a:fld id="{D15822B7-9EF6-9542-AF10-CD505E021A84}" type="datetime1">
               <a:rPr lang="nl-BE" smtClean="0"/>
-              <a:t>20/09/2025</a:t>
+              <a:t>21/09/2025</a:t>
             </a:fld>
             <a:endParaRPr lang="nl-NL"/>
           </a:p>
@@ -4637,8 +4637,8 @@
         </p:nvSpPr>
         <p:spPr>
           <a:xfrm>
-            <a:off x="576000" y="2232000"/>
-            <a:ext cx="11006402" cy="3820646"/>
+            <a:off x="576000" y="708660"/>
+            <a:ext cx="11006402" cy="5343986"/>
           </a:xfrm>
         </p:spPr>
         <p:txBody>
@@ -4699,7 +4699,7 @@
         </p:nvSpPr>
         <p:spPr>
           <a:xfrm>
-            <a:off x="576000" y="576001"/>
+            <a:off x="576000" y="15931"/>
             <a:ext cx="11041200" cy="578430"/>
           </a:xfrm>
         </p:spPr>
@@ -4708,10 +4708,10 @@
           <a:lstStyle/>
           <a:p>
             <a:r>
-              <a:rPr lang="en-US"/>
+              <a:rPr lang="en-US" dirty="0"/>
               <a:t>Click to edit Master title style</a:t>
             </a:r>
-            <a:endParaRPr lang="en-GB"/>
+            <a:endParaRPr lang="en-GB" dirty="0"/>
           </a:p>
         </p:txBody>
       </p:sp>
@@ -4762,7 +4762,7 @@
           <a:p>
             <a:fld id="{D15822B7-9EF6-9542-AF10-CD505E021A84}" type="datetime1">
               <a:rPr lang="nl-BE" smtClean="0"/>
-              <a:t>20/09/2025</a:t>
+              <a:t>21/09/2025</a:t>
             </a:fld>
             <a:endParaRPr lang="nl-NL"/>
           </a:p>
@@ -4828,8 +4828,8 @@
         </p:nvSpPr>
         <p:spPr>
           <a:xfrm>
-            <a:off x="576000" y="2232000"/>
-            <a:ext cx="11006402" cy="3820646"/>
+            <a:off x="576000" y="765810"/>
+            <a:ext cx="11006402" cy="5286836"/>
           </a:xfrm>
         </p:spPr>
         <p:txBody>
@@ -4890,7 +4890,7 @@
         </p:nvSpPr>
         <p:spPr>
           <a:xfrm>
-            <a:off x="576000" y="576001"/>
+            <a:off x="576000" y="0"/>
             <a:ext cx="11041200" cy="647010"/>
           </a:xfrm>
         </p:spPr>
@@ -5120,7 +5120,7 @@
           <a:p>
             <a:fld id="{0C33DDE8-63FF-C642-9F3A-0B773DD34821}" type="datetime1">
               <a:rPr lang="nl-BE" smtClean="0"/>
-              <a:t>20/09/2025</a:t>
+              <a:t>21/09/2025</a:t>
             </a:fld>
             <a:endParaRPr lang="nl-NL"/>
           </a:p>
@@ -9862,6 +9862,26 @@
 </file>
 
 <file path=customXml/item1.xml><?xml version="1.0" encoding="utf-8"?>
+<p:properties xmlns:p="http://schemas.microsoft.com/office/2006/metadata/properties" xmlns:xsi="http://www.w3.org/2001/XMLSchema-instance" xmlns:pc="http://schemas.microsoft.com/office/infopath/2007/PartnerControls">
+  <documentManagement>
+    <lcf76f155ced4ddcb4097134ff3c332f xmlns="81d41a3b-f33d-4db6-b532-757106a7a2ae">
+      <Terms xmlns="http://schemas.microsoft.com/office/infopath/2007/PartnerControls"/>
+    </lcf76f155ced4ddcb4097134ff3c332f>
+    <TaxCatchAll xmlns="bf25a9bf-a811-4965-9d0a-b88059080fed" xsi:nil="true"/>
+  </documentManagement>
+</p:properties>
+</file>
+
+<file path=customXml/item2.xml><?xml version="1.0" encoding="utf-8"?>
+<?mso-contentType ?>
+<FormTemplates xmlns="http://schemas.microsoft.com/sharepoint/v3/contenttype/forms">
+  <Display>DocumentLibraryForm</Display>
+  <Edit>DocumentLibraryForm</Edit>
+  <New>DocumentLibraryForm</New>
+</FormTemplates>
+</file>
+
+<file path=customXml/item3.xml><?xml version="1.0" encoding="utf-8"?>
 <ct:contentTypeSchema xmlns:ct="http://schemas.microsoft.com/office/2006/metadata/contentType" xmlns:ma="http://schemas.microsoft.com/office/2006/metadata/properties/metaAttributes" ct:_="" ma:_="" ma:contentTypeName="Document" ma:contentTypeID="0x010100B8C495A181F81B4C9DE5AD85CD0F70D4" ma:contentTypeVersion="18" ma:contentTypeDescription="Een nieuw document maken." ma:contentTypeScope="" ma:versionID="6ba28a59cba4a02a693681f32745d77b">
   <xsd:schema xmlns:xsd="http://www.w3.org/2001/XMLSchema" xmlns:xs="http://www.w3.org/2001/XMLSchema" xmlns:p="http://schemas.microsoft.com/office/2006/metadata/properties" xmlns:ns2="81d41a3b-f33d-4db6-b532-757106a7a2ae" xmlns:ns3="bf25a9bf-a811-4965-9d0a-b88059080fed" targetNamespace="http://schemas.microsoft.com/office/2006/metadata/properties" ma:root="true" ma:fieldsID="b996b4a4c0d83f5cfec71b22aba921d2" ns2:_="" ns3:_="">
     <xsd:import namespace="81d41a3b-f33d-4db6-b532-757106a7a2ae"/>
@@ -10116,27 +10136,32 @@
 </ct:contentTypeSchema>
 </file>
 
-<file path=customXml/item2.xml><?xml version="1.0" encoding="utf-8"?>
-<?mso-contentType ?>
-<FormTemplates xmlns="http://schemas.microsoft.com/sharepoint/v3/contenttype/forms">
-  <Display>DocumentLibraryForm</Display>
-  <Edit>DocumentLibraryForm</Edit>
-  <New>DocumentLibraryForm</New>
-</FormTemplates>
+<file path=customXml/itemProps1.xml><?xml version="1.0" encoding="utf-8"?>
+<ds:datastoreItem xmlns:ds="http://schemas.openxmlformats.org/officeDocument/2006/customXml" ds:itemID="{5EE9034D-0B43-4AB0-9535-9A62DB37A999}">
+  <ds:schemaRefs>
+    <ds:schemaRef ds:uri="http://www.w3.org/XML/1998/namespace"/>
+    <ds:schemaRef ds:uri="81d41a3b-f33d-4db6-b532-757106a7a2ae"/>
+    <ds:schemaRef ds:uri="http://purl.org/dc/dcmitype/"/>
+    <ds:schemaRef ds:uri="http://purl.org/dc/elements/1.1/"/>
+    <ds:schemaRef ds:uri="http://schemas.microsoft.com/office/2006/documentManagement/types"/>
+    <ds:schemaRef ds:uri="bf25a9bf-a811-4965-9d0a-b88059080fed"/>
+    <ds:schemaRef ds:uri="http://purl.org/dc/terms/"/>
+    <ds:schemaRef ds:uri="http://schemas.microsoft.com/office/infopath/2007/PartnerControls"/>
+    <ds:schemaRef ds:uri="http://schemas.openxmlformats.org/package/2006/metadata/core-properties"/>
+    <ds:schemaRef ds:uri="http://schemas.microsoft.com/office/2006/metadata/properties"/>
+  </ds:schemaRefs>
+</ds:datastoreItem>
 </file>
 
-<file path=customXml/item3.xml><?xml version="1.0" encoding="utf-8"?>
-<p:properties xmlns:p="http://schemas.microsoft.com/office/2006/metadata/properties" xmlns:xsi="http://www.w3.org/2001/XMLSchema-instance" xmlns:pc="http://schemas.microsoft.com/office/infopath/2007/PartnerControls">
-  <documentManagement>
-    <lcf76f155ced4ddcb4097134ff3c332f xmlns="81d41a3b-f33d-4db6-b532-757106a7a2ae">
-      <Terms xmlns="http://schemas.microsoft.com/office/infopath/2007/PartnerControls"/>
-    </lcf76f155ced4ddcb4097134ff3c332f>
-    <TaxCatchAll xmlns="bf25a9bf-a811-4965-9d0a-b88059080fed" xsi:nil="true"/>
-  </documentManagement>
-</p:properties>
+<file path=customXml/itemProps2.xml><?xml version="1.0" encoding="utf-8"?>
+<ds:datastoreItem xmlns:ds="http://schemas.openxmlformats.org/officeDocument/2006/customXml" ds:itemID="{263A7949-1B93-457F-8888-53CC8A016F77}">
+  <ds:schemaRefs>
+    <ds:schemaRef ds:uri="http://schemas.microsoft.com/sharepoint/v3/contenttype/forms"/>
+  </ds:schemaRefs>
+</ds:datastoreItem>
 </file>
 
-<file path=customXml/itemProps1.xml><?xml version="1.0" encoding="utf-8"?>
+<file path=customXml/itemProps3.xml><?xml version="1.0" encoding="utf-8"?>
 <ds:datastoreItem xmlns:ds="http://schemas.openxmlformats.org/officeDocument/2006/customXml" ds:itemID="{2A270F01-48F1-4A41-8E26-ACAC66896963}">
   <ds:schemaRefs>
     <ds:schemaRef ds:uri="http://schemas.microsoft.com/office/2006/metadata/contentType"/>
@@ -10153,29 +10178,4 @@
     <ds:schemaRef ds:uri="http://schemas.microsoft.com/internal/obd"/>
   </ds:schemaRefs>
 </ds:datastoreItem>
-</file>
-
-<file path=customXml/itemProps2.xml><?xml version="1.0" encoding="utf-8"?>
-<ds:datastoreItem xmlns:ds="http://schemas.openxmlformats.org/officeDocument/2006/customXml" ds:itemID="{263A7949-1B93-457F-8888-53CC8A016F77}">
-  <ds:schemaRefs>
-    <ds:schemaRef ds:uri="http://schemas.microsoft.com/sharepoint/v3/contenttype/forms"/>
-  </ds:schemaRefs>
-</ds:datastoreItem>
-</file>
-
-<file path=customXml/itemProps3.xml><?xml version="1.0" encoding="utf-8"?>
-<ds:datastoreItem xmlns:ds="http://schemas.openxmlformats.org/officeDocument/2006/customXml" ds:itemID="{5EE9034D-0B43-4AB0-9535-9A62DB37A999}">
-  <ds:schemaRefs>
-    <ds:schemaRef ds:uri="http://www.w3.org/XML/1998/namespace"/>
-    <ds:schemaRef ds:uri="81d41a3b-f33d-4db6-b532-757106a7a2ae"/>
-    <ds:schemaRef ds:uri="http://purl.org/dc/dcmitype/"/>
-    <ds:schemaRef ds:uri="http://purl.org/dc/elements/1.1/"/>
-    <ds:schemaRef ds:uri="http://schemas.microsoft.com/office/2006/documentManagement/types"/>
-    <ds:schemaRef ds:uri="bf25a9bf-a811-4965-9d0a-b88059080fed"/>
-    <ds:schemaRef ds:uri="http://purl.org/dc/terms/"/>
-    <ds:schemaRef ds:uri="http://schemas.microsoft.com/office/infopath/2007/PartnerControls"/>
-    <ds:schemaRef ds:uri="http://schemas.openxmlformats.org/package/2006/metadata/core-properties"/>
-    <ds:schemaRef ds:uri="http://schemas.microsoft.com/office/2006/metadata/properties"/>
-  </ds:schemaRefs>
-</ds:datastoreItem>
 </file>
--- a/AnalogeElektronica2/PowerPoint/berekening.pptx
+++ b/AnalogeElektronica2/PowerPoint/berekening.pptx
@@ -21,21 +21,6 @@
     <p:sldId id="263" r:id="rId20"/>
     <p:sldId id="264" r:id="rId21"/>
     <p:sldId id="265" r:id="rId22"/>
-    <p:sldId id="266" r:id="rId23"/>
-    <p:sldId id="267" r:id="rId24"/>
-    <p:sldId id="268" r:id="rId25"/>
-    <p:sldId id="269" r:id="rId26"/>
-    <p:sldId id="270" r:id="rId27"/>
-    <p:sldId id="271" r:id="rId28"/>
-    <p:sldId id="272" r:id="rId29"/>
-    <p:sldId id="273" r:id="rId30"/>
-    <p:sldId id="274" r:id="rId31"/>
-    <p:sldId id="275" r:id="rId32"/>
-    <p:sldId id="276" r:id="rId33"/>
-    <p:sldId id="277" r:id="rId34"/>
-    <p:sldId id="278" r:id="rId35"/>
-    <p:sldId id="279" r:id="rId36"/>
-    <p:sldId id="280" r:id="rId37"/>
   </p:sldIdLst>
   <p:sldSz cx="12192000" cy="6858000"/>
   <p:notesSz cx="6858000" cy="9144000"/>
@@ -5694,1293 +5679,6 @@
         <p:nvPr/>
       </p:nvGrpSpPr>
       <p:grpSpPr/>
-      <p:sp>
-        <p:nvSpPr>
-          <p:cNvPr id="2" name="Title 1"/>
-          <p:cNvSpPr>
-            <a:spLocks noGrp="1"/>
-          </p:cNvSpPr>
-          <p:nvPr>
-            <p:ph type="title"/>
-          </p:nvPr>
-        </p:nvSpPr>
-        <p:spPr/>
-        <p:txBody>
-          <a:bodyPr wrap="square">
-            <a:noAutofit/>
-          </a:bodyPr>
-          <a:lstStyle/>
-          <a:p>
-            <a:r>
-              <a:rPr sz="3200" b="1" i="0">
-                <a:latin typeface="Arial"/>
-              </a:rPr>
-              <a:t>Schema van het spoel</a:t>
-            </a:r>
-            <a:endParaRPr sz="3200" b="1" i="0">
-              <a:latin typeface="Arial"/>
-            </a:endParaRPr>
-          </a:p>
-        </p:txBody>
-      </p:sp>
-      <p:pic>
-        <p:nvPicPr>
-          <p:cNvPr id="3" name="Picture 2" descr="image.png"/>
-          <p:cNvPicPr>
-            <a:picLocks noChangeAspect="1"/>
-          </p:cNvPicPr>
-          <p:nvPr/>
-        </p:nvPicPr>
-        <p:blipFill>
-          <a:blip r:embed="rId2"/>
-          <a:stretch>
-            <a:fillRect/>
-          </a:stretch>
-        </p:blipFill>
-        <p:spPr>
-          <a:xfrm>
-            <a:off x="1559859" y="1179576"/>
-            <a:ext cx="9072282" cy="5029200"/>
-          </a:xfrm>
-          <a:prstGeom prst="rect">
-            <a:avLst/>
-          </a:prstGeom>
-        </p:spPr>
-      </p:pic>
-    </p:spTree>
-  </p:cSld>
-  <p:clrMapOvr>
-    <a:masterClrMapping/>
-  </p:clrMapOvr>
-</p:sld>
-</file>
-
-<file path=ppt/slides/slide11.xml><?xml version="1.0" encoding="utf-8"?>
-<p:sld xmlns:a="http://schemas.openxmlformats.org/drawingml/2006/main" xmlns:p="http://schemas.openxmlformats.org/presentationml/2006/main" xmlns:r="http://schemas.openxmlformats.org/officeDocument/2006/relationships">
-  <p:cSld>
-    <p:spTree>
-      <p:nvGrpSpPr>
-        <p:cNvPr id="1" name=""/>
-        <p:cNvGrpSpPr/>
-        <p:nvPr/>
-      </p:nvGrpSpPr>
-      <p:grpSpPr/>
-      <p:sp>
-        <p:nvSpPr>
-          <p:cNvPr id="2" name="Content Placeholder 1"/>
-          <p:cNvSpPr>
-            <a:spLocks noGrp="1"/>
-          </p:cNvSpPr>
-          <p:nvPr>
-            <p:ph idx="1"/>
-          </p:nvPr>
-        </p:nvSpPr>
-        <p:spPr/>
-        <p:txBody>
-          <a:bodyPr/>
-          <a:lstStyle/>
-          <a:p/>
-        </p:txBody>
-      </p:sp>
-      <p:sp>
-        <p:nvSpPr>
-          <p:cNvPr id="3" name="Title 2"/>
-          <p:cNvSpPr>
-            <a:spLocks noGrp="1"/>
-          </p:cNvSpPr>
-          <p:nvPr>
-            <p:ph type="title"/>
-          </p:nvPr>
-        </p:nvSpPr>
-        <p:spPr/>
-        <p:txBody>
-          <a:bodyPr wrap="square">
-            <a:noAutofit/>
-          </a:bodyPr>
-          <a:lstStyle/>
-          <a:p>
-            <a:r>
-              <a:rPr sz="3200" b="1" i="0">
-                <a:latin typeface="Arial"/>
-              </a:rPr>
-              <a:t>Vergelijking van het spoel</a:t>
-            </a:r>
-            <a:endParaRPr sz="3200" b="1" i="0">
-              <a:latin typeface="Arial"/>
-            </a:endParaRPr>
-          </a:p>
-        </p:txBody>
-      </p:sp>
-      <p:sp>
-        <p:nvSpPr>
-          <p:cNvPr id="4" name="TextBox 3"/>
-          <p:cNvSpPr txBox="1"/>
-          <p:nvPr/>
-        </p:nvSpPr>
-        <p:spPr>
-          <a:xfrm>
-            <a:off x="914400" y="2084831"/>
-            <a:ext cx="9144000" cy="1828800"/>
-          </a:xfrm>
-          <a:prstGeom prst="rect">
-            <a:avLst/>
-          </a:prstGeom>
-          <a:noFill/>
-        </p:spPr>
-        <p:txBody>
-          <a:bodyPr wrap="square">
-            <a:noAutofit/>
-          </a:bodyPr>
-          <a:lstStyle/>
-          <a:p>
-            <a:r>
-              <a:rPr sz="3000" b="0" i="0">
-                <a:latin typeface="Calibri"/>
-              </a:rPr>
-              <a:t>\begin{equation}\label{eq:cL}</a:t>
-            </a:r>
-            <a:endParaRPr sz="3000" b="0" i="0">
-              <a:latin typeface="Calibri"/>
-            </a:endParaRPr>
-          </a:p>
-          <a:p>
-            <a:r>
-              <a:rPr sz="3000" b="0" i="0">
-                <a:latin typeface="Calibri"/>
-              </a:rPr>
-              <a:t>\frac{1}{j\omega L} (V_i-V_j) =  \frac{1}{j\omega L}  V_i - \frac{1}{j\omega L} V_j,</a:t>
-            </a:r>
-            <a:endParaRPr sz="3000" b="0" i="0">
-              <a:latin typeface="Calibri"/>
-            </a:endParaRPr>
-          </a:p>
-          <a:p>
-            <a:r>
-              <a:rPr sz="3000" b="0" i="0">
-                <a:latin typeface="Calibri"/>
-              </a:rPr>
-              <a:t>\end{equation}</a:t>
-            </a:r>
-            <a:endParaRPr sz="3000" b="0" i="0">
-              <a:latin typeface="Calibri"/>
-            </a:endParaRPr>
-          </a:p>
-        </p:txBody>
-      </p:sp>
-    </p:spTree>
-  </p:cSld>
-  <p:clrMapOvr>
-    <a:masterClrMapping/>
-  </p:clrMapOvr>
-</p:sld>
-</file>
-
-<file path=ppt/slides/slide12.xml><?xml version="1.0" encoding="utf-8"?>
-<p:sld xmlns:a="http://schemas.openxmlformats.org/drawingml/2006/main" xmlns:p="http://schemas.openxmlformats.org/presentationml/2006/main" xmlns:r="http://schemas.openxmlformats.org/officeDocument/2006/relationships">
-  <p:cSld>
-    <p:spTree>
-      <p:nvGrpSpPr>
-        <p:cNvPr id="1" name=""/>
-        <p:cNvGrpSpPr/>
-        <p:nvPr/>
-      </p:nvGrpSpPr>
-      <p:grpSpPr/>
-      <p:sp>
-        <p:nvSpPr>
-          <p:cNvPr id="2" name="Content Placeholder 1"/>
-          <p:cNvSpPr>
-            <a:spLocks noGrp="1"/>
-          </p:cNvSpPr>
-          <p:nvPr>
-            <p:ph idx="1"/>
-          </p:nvPr>
-        </p:nvSpPr>
-        <p:spPr/>
-        <p:txBody>
-          <a:bodyPr/>
-          <a:lstStyle/>
-          <a:p/>
-        </p:txBody>
-      </p:sp>
-      <p:sp>
-        <p:nvSpPr>
-          <p:cNvPr id="3" name="Title 2"/>
-          <p:cNvSpPr>
-            <a:spLocks noGrp="1"/>
-          </p:cNvSpPr>
-          <p:nvPr>
-            <p:ph type="title"/>
-          </p:nvPr>
-        </p:nvSpPr>
-        <p:spPr/>
-        <p:txBody>
-          <a:bodyPr wrap="square">
-            <a:noAutofit/>
-          </a:bodyPr>
-          <a:lstStyle/>
-          <a:p>
-            <a:r>
-              <a:rPr sz="3200" b="1" i="0">
-                <a:latin typeface="Arial"/>
-              </a:rPr>
-              <a:t>Stempel van een spoel in de MNA matrix</a:t>
-            </a:r>
-            <a:endParaRPr sz="3200" b="1" i="0">
-              <a:latin typeface="Arial"/>
-            </a:endParaRPr>
-          </a:p>
-        </p:txBody>
-      </p:sp>
-      <p:sp>
-        <p:nvSpPr>
-          <p:cNvPr id="4" name="TextBox 3"/>
-          <p:cNvSpPr txBox="1"/>
-          <p:nvPr/>
-        </p:nvSpPr>
-        <p:spPr>
-          <a:xfrm>
-            <a:off x="914400" y="2084831"/>
-            <a:ext cx="9144000" cy="1828800"/>
-          </a:xfrm>
-          <a:prstGeom prst="rect">
-            <a:avLst/>
-          </a:prstGeom>
-          <a:noFill/>
-        </p:spPr>
-        <p:txBody>
-          <a:bodyPr wrap="square">
-            <a:noAutofit/>
-          </a:bodyPr>
-          <a:lstStyle/>
-          <a:p>
-            <a:r>
-              <a:rPr sz="2400" b="0" i="0">
-                <a:latin typeface="Calibri"/>
-              </a:rPr>
-              <a:t>\begin{equation}\label{eq:Matrixspoel}</a:t>
-            </a:r>
-            <a:endParaRPr sz="2400" b="0" i="0">
-              <a:latin typeface="Calibri"/>
-            </a:endParaRPr>
-          </a:p>
-          <a:p>
-            <a:r>
-              <a:rPr sz="2400" b="0" i="0">
-                <a:latin typeface="Calibri"/>
-              </a:rPr>
-              <a:t>\begin{bmatrix}\vdots &amp;  &amp; \vdots &amp;   &amp; \vdots \\ </a:t>
-            </a:r>
-            <a:endParaRPr sz="2400" b="0" i="0">
-              <a:latin typeface="Calibri"/>
-            </a:endParaRPr>
-          </a:p>
-          <a:p>
-            <a:r>
-              <a:rPr sz="2400" b="0" i="0">
-                <a:latin typeface="Calibri"/>
-              </a:rPr>
-              <a:t>\dots &amp; \frac{1}{j\omega L}  &amp; \dots &amp; -\frac{1}{j\omega L} &amp; \dots\\ </a:t>
-            </a:r>
-            <a:endParaRPr sz="2400" b="0" i="0">
-              <a:latin typeface="Calibri"/>
-            </a:endParaRPr>
-          </a:p>
-          <a:p>
-            <a:r>
-              <a:rPr sz="2400" b="0" i="0">
-                <a:latin typeface="Calibri"/>
-              </a:rPr>
-              <a:t>\vdots &amp;  &amp; \vdots &amp;   &amp; \vdots \\ </a:t>
-            </a:r>
-            <a:endParaRPr sz="2400" b="0" i="0">
-              <a:latin typeface="Calibri"/>
-            </a:endParaRPr>
-          </a:p>
-          <a:p>
-            <a:r>
-              <a:rPr sz="2400" b="0" i="0">
-                <a:latin typeface="Calibri"/>
-              </a:rPr>
-              <a:t>\dots &amp; -\frac{1}{j\omega L} &amp; \dots &amp; \frac{1}{j\omega L}  &amp; \dots \\ </a:t>
-            </a:r>
-            <a:endParaRPr sz="2400" b="0" i="0">
-              <a:latin typeface="Calibri"/>
-            </a:endParaRPr>
-          </a:p>
-          <a:p>
-            <a:r>
-              <a:rPr sz="2400" b="0" i="0">
-                <a:latin typeface="Calibri"/>
-              </a:rPr>
-              <a:t>\vdots &amp;  &amp; \vdots &amp;  &amp; \vdots</a:t>
-            </a:r>
-            <a:endParaRPr sz="2400" b="0" i="0">
-              <a:latin typeface="Calibri"/>
-            </a:endParaRPr>
-          </a:p>
-          <a:p>
-            <a:r>
-              <a:rPr sz="2400" b="0" i="0">
-                <a:latin typeface="Calibri"/>
-              </a:rPr>
-              <a:t>\end{bmatrix}  \begin{bmatrix} \vdots \\ V_i \\ \vdots \\ V_j \\ \vdots</a:t>
-            </a:r>
-            <a:endParaRPr sz="2400" b="0" i="0">
-              <a:latin typeface="Calibri"/>
-            </a:endParaRPr>
-          </a:p>
-          <a:p>
-            <a:r>
-              <a:rPr sz="2400" b="0" i="0">
-                <a:latin typeface="Calibri"/>
-              </a:rPr>
-              <a:t>\end{bmatrix} =\begin{bmatrix} \vdots \\  0 \\ \vdots \\ 0  \\ \vdots \end{bmatrix}</a:t>
-            </a:r>
-            <a:endParaRPr sz="2400" b="0" i="0">
-              <a:latin typeface="Calibri"/>
-            </a:endParaRPr>
-          </a:p>
-          <a:p>
-            <a:r>
-              <a:rPr sz="2400" b="0" i="0">
-                <a:latin typeface="Calibri"/>
-              </a:rPr>
-              <a:t>\end{equation}</a:t>
-            </a:r>
-            <a:endParaRPr sz="2400" b="0" i="0">
-              <a:latin typeface="Calibri"/>
-            </a:endParaRPr>
-          </a:p>
-        </p:txBody>
-      </p:sp>
-    </p:spTree>
-  </p:cSld>
-  <p:clrMapOvr>
-    <a:masterClrMapping/>
-  </p:clrMapOvr>
-</p:sld>
-</file>
-
-<file path=ppt/slides/slide13.xml><?xml version="1.0" encoding="utf-8"?>
-<p:sld xmlns:a="http://schemas.openxmlformats.org/drawingml/2006/main" xmlns:p="http://schemas.openxmlformats.org/presentationml/2006/main" xmlns:r="http://schemas.openxmlformats.org/officeDocument/2006/relationships">
-  <p:cSld>
-    <p:spTree>
-      <p:nvGrpSpPr>
-        <p:cNvPr id="1" name=""/>
-        <p:cNvGrpSpPr/>
-        <p:nvPr/>
-      </p:nvGrpSpPr>
-      <p:grpSpPr/>
-      <p:sp>
-        <p:nvSpPr>
-          <p:cNvPr id="2" name="Content Placeholder 1"/>
-          <p:cNvSpPr>
-            <a:spLocks noGrp="1"/>
-          </p:cNvSpPr>
-          <p:nvPr>
-            <p:ph idx="1"/>
-          </p:nvPr>
-        </p:nvSpPr>
-        <p:spPr/>
-        <p:txBody>
-          <a:bodyPr/>
-          <a:lstStyle/>
-          <a:p/>
-        </p:txBody>
-      </p:sp>
-      <p:sp>
-        <p:nvSpPr>
-          <p:cNvPr id="3" name="Title 2"/>
-          <p:cNvSpPr>
-            <a:spLocks noGrp="1"/>
-          </p:cNvSpPr>
-          <p:nvPr>
-            <p:ph type="title"/>
-          </p:nvPr>
-        </p:nvSpPr>
-        <p:spPr/>
-        <p:txBody>
-          <a:bodyPr wrap="square">
-            <a:noAutofit/>
-          </a:bodyPr>
-          <a:lstStyle/>
-          <a:p>
-            <a:r>
-              <a:rPr sz="3200" b="1" i="0">
-                <a:latin typeface="Arial"/>
-              </a:rPr>
-              <a:t>Vergelijking van een transconductantie</a:t>
-            </a:r>
-            <a:endParaRPr sz="3200" b="1" i="0">
-              <a:latin typeface="Arial"/>
-            </a:endParaRPr>
-          </a:p>
-        </p:txBody>
-      </p:sp>
-      <p:sp>
-        <p:nvSpPr>
-          <p:cNvPr id="4" name="TextBox 3"/>
-          <p:cNvSpPr txBox="1"/>
-          <p:nvPr/>
-        </p:nvSpPr>
-        <p:spPr>
-          <a:xfrm>
-            <a:off x="914400" y="2084831"/>
-            <a:ext cx="9144000" cy="1828800"/>
-          </a:xfrm>
-          <a:prstGeom prst="rect">
-            <a:avLst/>
-          </a:prstGeom>
-          <a:noFill/>
-        </p:spPr>
-        <p:txBody>
-          <a:bodyPr wrap="square">
-            <a:noAutofit/>
-          </a:bodyPr>
-          <a:lstStyle/>
-          <a:p>
-            <a:r>
-              <a:rPr sz="3000" b="0" i="0">
-                <a:latin typeface="Calibri"/>
-              </a:rPr>
-              <a:t>\begin{equation}\label{eq:gm}</a:t>
-            </a:r>
-            <a:endParaRPr sz="3000" b="0" i="0">
-              <a:latin typeface="Calibri"/>
-            </a:endParaRPr>
-          </a:p>
-          <a:p>
-            <a:r>
-              <a:rPr sz="3000" b="0" i="0">
-                <a:latin typeface="Calibri"/>
-              </a:rPr>
-              <a:t>I_{kl}= g_m (V_i-V_j) ,</a:t>
-            </a:r>
-            <a:endParaRPr sz="3000" b="0" i="0">
-              <a:latin typeface="Calibri"/>
-            </a:endParaRPr>
-          </a:p>
-          <a:p>
-            <a:r>
-              <a:rPr sz="3000" b="0" i="0">
-                <a:latin typeface="Calibri"/>
-              </a:rPr>
-              <a:t>\end{equation}</a:t>
-            </a:r>
-            <a:endParaRPr sz="3000" b="0" i="0">
-              <a:latin typeface="Calibri"/>
-            </a:endParaRPr>
-          </a:p>
-        </p:txBody>
-      </p:sp>
-    </p:spTree>
-  </p:cSld>
-  <p:clrMapOvr>
-    <a:masterClrMapping/>
-  </p:clrMapOvr>
-</p:sld>
-</file>
-
-<file path=ppt/slides/slide14.xml><?xml version="1.0" encoding="utf-8"?>
-<p:sld xmlns:a="http://schemas.openxmlformats.org/drawingml/2006/main" xmlns:p="http://schemas.openxmlformats.org/presentationml/2006/main" xmlns:r="http://schemas.openxmlformats.org/officeDocument/2006/relationships">
-  <p:cSld>
-    <p:spTree>
-      <p:nvGrpSpPr>
-        <p:cNvPr id="1" name=""/>
-        <p:cNvGrpSpPr/>
-        <p:nvPr/>
-      </p:nvGrpSpPr>
-      <p:grpSpPr/>
-      <p:sp>
-        <p:nvSpPr>
-          <p:cNvPr id="2" name="Content Placeholder 1"/>
-          <p:cNvSpPr>
-            <a:spLocks noGrp="1"/>
-          </p:cNvSpPr>
-          <p:nvPr>
-            <p:ph idx="1"/>
-          </p:nvPr>
-        </p:nvSpPr>
-        <p:spPr/>
-        <p:txBody>
-          <a:bodyPr/>
-          <a:lstStyle/>
-          <a:p/>
-        </p:txBody>
-      </p:sp>
-      <p:sp>
-        <p:nvSpPr>
-          <p:cNvPr id="3" name="Title 2"/>
-          <p:cNvSpPr>
-            <a:spLocks noGrp="1"/>
-          </p:cNvSpPr>
-          <p:nvPr>
-            <p:ph type="title"/>
-          </p:nvPr>
-        </p:nvSpPr>
-        <p:spPr/>
-        <p:txBody>
-          <a:bodyPr wrap="square">
-            <a:noAutofit/>
-          </a:bodyPr>
-          <a:lstStyle/>
-          <a:p>
-            <a:r>
-              <a:rPr sz="3200" b="1" i="0">
-                <a:latin typeface="Arial"/>
-              </a:rPr>
-              <a:t>Stempel van een transconductantie in een MNA matrix</a:t>
-            </a:r>
-            <a:endParaRPr sz="3200" b="1" i="0">
-              <a:latin typeface="Arial"/>
-            </a:endParaRPr>
-          </a:p>
-        </p:txBody>
-      </p:sp>
-      <p:sp>
-        <p:nvSpPr>
-          <p:cNvPr id="4" name="TextBox 3"/>
-          <p:cNvSpPr txBox="1"/>
-          <p:nvPr/>
-        </p:nvSpPr>
-        <p:spPr>
-          <a:xfrm>
-            <a:off x="914400" y="2084831"/>
-            <a:ext cx="9144000" cy="1828800"/>
-          </a:xfrm>
-          <a:prstGeom prst="rect">
-            <a:avLst/>
-          </a:prstGeom>
-          <a:noFill/>
-        </p:spPr>
-        <p:txBody>
-          <a:bodyPr wrap="square">
-            <a:noAutofit/>
-          </a:bodyPr>
-          <a:lstStyle/>
-          <a:p>
-            <a:r>
-              <a:rPr sz="1900" b="0" i="0">
-                <a:latin typeface="Calibri"/>
-              </a:rPr>
-              <a:t>\begin{equation}\label{eq:Matrixgm}</a:t>
-            </a:r>
-            <a:endParaRPr sz="1900" b="0" i="0">
-              <a:latin typeface="Calibri"/>
-            </a:endParaRPr>
-          </a:p>
-          <a:p>
-            <a:r>
-              <a:rPr sz="1900" b="0" i="0">
-                <a:latin typeface="Calibri"/>
-              </a:rPr>
-              <a:t>\begin{bmatrix}\vdots &amp;  &amp; \vdots &amp;   &amp; \vdots &amp; &amp; \vdots &amp;   &amp; \vdots \\</a:t>
-            </a:r>
-            <a:endParaRPr sz="1900" b="0" i="0">
-              <a:latin typeface="Calibri"/>
-            </a:endParaRPr>
-          </a:p>
-          <a:p>
-            <a:r>
-              <a:rPr sz="1900" b="0" i="0">
-                <a:latin typeface="Calibri"/>
-              </a:rPr>
-              <a:t>\dots &amp;  &amp; \dots &amp;   &amp; \dots &amp;  &amp; \dots &amp;   &amp; \dots\\</a:t>
-            </a:r>
-            <a:endParaRPr sz="1900" b="0" i="0">
-              <a:latin typeface="Calibri"/>
-            </a:endParaRPr>
-          </a:p>
-          <a:p>
-            <a:r>
-              <a:rPr sz="1900" b="0" i="0">
-                <a:latin typeface="Calibri"/>
-              </a:rPr>
-              <a:t>\vdots &amp;  &amp; \vdots &amp;   &amp; \vdots &amp; &amp; \vdots &amp;   &amp; \vdots\\</a:t>
-            </a:r>
-            <a:endParaRPr sz="1900" b="0" i="0">
-              <a:latin typeface="Calibri"/>
-            </a:endParaRPr>
-          </a:p>
-          <a:p>
-            <a:r>
-              <a:rPr sz="1900" b="0" i="0">
-                <a:latin typeface="Calibri"/>
-              </a:rPr>
-              <a:t>\dots &amp;  &amp; \dots &amp;   &amp; \dots &amp;  &amp; \dots &amp;   &amp; \dots\\</a:t>
-            </a:r>
-            <a:endParaRPr sz="1900" b="0" i="0">
-              <a:latin typeface="Calibri"/>
-            </a:endParaRPr>
-          </a:p>
-          <a:p>
-            <a:r>
-              <a:rPr sz="1900" b="0" i="0">
-                <a:latin typeface="Calibri"/>
-              </a:rPr>
-              <a:t>\vdots &amp;  &amp; \vdots &amp;   &amp; \vdots &amp; &amp; \vdots &amp;   &amp; \vdots\\</a:t>
-            </a:r>
-            <a:endParaRPr sz="1900" b="0" i="0">
-              <a:latin typeface="Calibri"/>
-            </a:endParaRPr>
-          </a:p>
-          <a:p>
-            <a:r>
-              <a:rPr sz="1900" b="0" i="0">
-                <a:latin typeface="Calibri"/>
-              </a:rPr>
-              <a:t>\dots &amp; g_m  &amp; \dots &amp; -g_m &amp; \dots &amp;  &amp; \dots &amp;   &amp; \dots\\</a:t>
-            </a:r>
-            <a:endParaRPr sz="1900" b="0" i="0">
-              <a:latin typeface="Calibri"/>
-            </a:endParaRPr>
-          </a:p>
-          <a:p>
-            <a:r>
-              <a:rPr sz="1900" b="0" i="0">
-                <a:latin typeface="Calibri"/>
-              </a:rPr>
-              <a:t>\vdots &amp;  &amp; \vdots &amp;   &amp; \vdots &amp; &amp; \vdots &amp;   &amp; \vdots\\</a:t>
-            </a:r>
-            <a:endParaRPr sz="1900" b="0" i="0">
-              <a:latin typeface="Calibri"/>
-            </a:endParaRPr>
-          </a:p>
-          <a:p>
-            <a:r>
-              <a:rPr sz="1900" b="0" i="0">
-                <a:latin typeface="Calibri"/>
-              </a:rPr>
-              <a:t>\dots &amp; -g_m &amp; \dots &amp; g_m  &amp; \dots &amp;  &amp; \dots &amp;   &amp; \dots\\ </a:t>
-            </a:r>
-            <a:endParaRPr sz="1900" b="0" i="0">
-              <a:latin typeface="Calibri"/>
-            </a:endParaRPr>
-          </a:p>
-          <a:p>
-            <a:r>
-              <a:rPr sz="1900" b="0" i="0">
-                <a:latin typeface="Calibri"/>
-              </a:rPr>
-              <a:t>\vdots &amp;  &amp; \vdots &amp;  &amp; \vdots &amp; &amp; \vdots &amp;   &amp; \vdots</a:t>
-            </a:r>
-            <a:endParaRPr sz="1900" b="0" i="0">
-              <a:latin typeface="Calibri"/>
-            </a:endParaRPr>
-          </a:p>
-          <a:p>
-            <a:r>
-              <a:rPr sz="1900" b="0" i="0">
-                <a:latin typeface="Calibri"/>
-              </a:rPr>
-              <a:t>\end{bmatrix}  \begin{bmatrix} \vdots\\ V_i\\ \vdots \\ V_j\\ \vdots\\ V_k\\ \vdots \\ V_l\\ \vdots</a:t>
-            </a:r>
-            <a:endParaRPr sz="1900" b="0" i="0">
-              <a:latin typeface="Calibri"/>
-            </a:endParaRPr>
-          </a:p>
-          <a:p>
-            <a:r>
-              <a:rPr sz="1900" b="0" i="0">
-                <a:latin typeface="Calibri"/>
-              </a:rPr>
-              <a:t>\end{bmatrix} =\begin{bmatrix} \vdots\\  0 \\ \vdots \\ 0  \\ \vdots\\  0 \\ \vdots \\ 0  \\ \vdots \end{bmatrix}</a:t>
-            </a:r>
-            <a:endParaRPr sz="1900" b="0" i="0">
-              <a:latin typeface="Calibri"/>
-            </a:endParaRPr>
-          </a:p>
-          <a:p>
-            <a:r>
-              <a:rPr sz="1900" b="0" i="0">
-                <a:latin typeface="Calibri"/>
-              </a:rPr>
-              <a:t>\end{equation}</a:t>
-            </a:r>
-            <a:endParaRPr sz="1900" b="0" i="0">
-              <a:latin typeface="Calibri"/>
-            </a:endParaRPr>
-          </a:p>
-        </p:txBody>
-      </p:sp>
-    </p:spTree>
-  </p:cSld>
-  <p:clrMapOvr>
-    <a:masterClrMapping/>
-  </p:clrMapOvr>
-</p:sld>
-</file>
-
-<file path=ppt/slides/slide15.xml><?xml version="1.0" encoding="utf-8"?>
-<p:sld xmlns:a="http://schemas.openxmlformats.org/drawingml/2006/main" xmlns:p="http://schemas.openxmlformats.org/presentationml/2006/main" xmlns:r="http://schemas.openxmlformats.org/officeDocument/2006/relationships">
-  <p:cSld>
-    <p:spTree>
-      <p:nvGrpSpPr>
-        <p:cNvPr id="1" name=""/>
-        <p:cNvGrpSpPr/>
-        <p:nvPr/>
-      </p:nvGrpSpPr>
-      <p:grpSpPr/>
-      <p:sp>
-        <p:nvSpPr>
-          <p:cNvPr id="2" name="Content Placeholder 1"/>
-          <p:cNvSpPr>
-            <a:spLocks noGrp="1"/>
-          </p:cNvSpPr>
-          <p:nvPr>
-            <p:ph idx="1"/>
-          </p:nvPr>
-        </p:nvSpPr>
-        <p:spPr/>
-        <p:txBody>
-          <a:bodyPr/>
-          <a:lstStyle/>
-          <a:p/>
-        </p:txBody>
-      </p:sp>
-      <p:sp>
-        <p:nvSpPr>
-          <p:cNvPr id="3" name="Title 2"/>
-          <p:cNvSpPr>
-            <a:spLocks noGrp="1"/>
-          </p:cNvSpPr>
-          <p:nvPr>
-            <p:ph type="title"/>
-          </p:nvPr>
-        </p:nvSpPr>
-        <p:spPr/>
-        <p:txBody>
-          <a:bodyPr/>
-          <a:lstStyle/>
-          <a:p/>
-        </p:txBody>
-      </p:sp>
-      <p:sp>
-        <p:nvSpPr>
-          <p:cNvPr id="4" name="TextBox 3"/>
-          <p:cNvSpPr txBox="1"/>
-          <p:nvPr/>
-        </p:nvSpPr>
-        <p:spPr>
-          <a:xfrm>
-            <a:off x="914400" y="2084831"/>
-            <a:ext cx="9144000" cy="1828800"/>
-          </a:xfrm>
-          <a:prstGeom prst="rect">
-            <a:avLst/>
-          </a:prstGeom>
-          <a:noFill/>
-        </p:spPr>
-        <p:txBody>
-          <a:bodyPr wrap="square">
-            <a:noAutofit/>
-          </a:bodyPr>
-          <a:lstStyle/>
-          <a:p>
-            <a:r>
-              <a:rPr sz="3000" b="0" i="0">
-                <a:latin typeface="Calibri"/>
-              </a:rPr>
-              <a:t>\begin{equation}\label{eq:gm2}</a:t>
-            </a:r>
-            <a:endParaRPr sz="3000" b="0" i="0">
-              <a:latin typeface="Calibri"/>
-            </a:endParaRPr>
-          </a:p>
-          <a:p>
-            <a:r>
-              <a:rPr sz="3000" b="0" i="0">
-                <a:latin typeface="Calibri"/>
-              </a:rPr>
-              <a:t>I_{DS}= g_m (V_G-V_S) .</a:t>
-            </a:r>
-            <a:endParaRPr sz="3000" b="0" i="0">
-              <a:latin typeface="Calibri"/>
-            </a:endParaRPr>
-          </a:p>
-          <a:p>
-            <a:r>
-              <a:rPr sz="3000" b="0" i="0">
-                <a:latin typeface="Calibri"/>
-              </a:rPr>
-              <a:t>\end{equation}</a:t>
-            </a:r>
-            <a:endParaRPr sz="3000" b="0" i="0">
-              <a:latin typeface="Calibri"/>
-            </a:endParaRPr>
-          </a:p>
-        </p:txBody>
-      </p:sp>
-    </p:spTree>
-  </p:cSld>
-  <p:clrMapOvr>
-    <a:masterClrMapping/>
-  </p:clrMapOvr>
-</p:sld>
-</file>
-
-<file path=ppt/slides/slide16.xml><?xml version="1.0" encoding="utf-8"?>
-<p:sld xmlns:a="http://schemas.openxmlformats.org/drawingml/2006/main" xmlns:p="http://schemas.openxmlformats.org/presentationml/2006/main" xmlns:r="http://schemas.openxmlformats.org/officeDocument/2006/relationships">
-  <p:cSld>
-    <p:spTree>
-      <p:nvGrpSpPr>
-        <p:cNvPr id="1" name=""/>
-        <p:cNvGrpSpPr/>
-        <p:nvPr/>
-      </p:nvGrpSpPr>
-      <p:grpSpPr/>
-      <p:sp>
-        <p:nvSpPr>
-          <p:cNvPr id="2" name="Content Placeholder 1"/>
-          <p:cNvSpPr>
-            <a:spLocks noGrp="1"/>
-          </p:cNvSpPr>
-          <p:nvPr>
-            <p:ph idx="1"/>
-          </p:nvPr>
-        </p:nvSpPr>
-        <p:spPr/>
-        <p:txBody>
-          <a:bodyPr/>
-          <a:lstStyle/>
-          <a:p/>
-        </p:txBody>
-      </p:sp>
-      <p:sp>
-        <p:nvSpPr>
-          <p:cNvPr id="3" name="Title 2"/>
-          <p:cNvSpPr>
-            <a:spLocks noGrp="1"/>
-          </p:cNvSpPr>
-          <p:nvPr>
-            <p:ph type="title"/>
-          </p:nvPr>
-        </p:nvSpPr>
-        <p:spPr/>
-        <p:txBody>
-          <a:bodyPr wrap="square">
-            <a:noAutofit/>
-          </a:bodyPr>
-          <a:lstStyle/>
-          <a:p>
-            <a:r>
-              <a:rPr sz="3200" b="1" i="0">
-                <a:latin typeface="Arial"/>
-              </a:rPr>
-              <a:t>Stempel van een MOS transistor in een NMA matrix</a:t>
-            </a:r>
-            <a:endParaRPr sz="3200" b="1" i="0">
-              <a:latin typeface="Arial"/>
-            </a:endParaRPr>
-          </a:p>
-        </p:txBody>
-      </p:sp>
-      <p:sp>
-        <p:nvSpPr>
-          <p:cNvPr id="4" name="TextBox 3"/>
-          <p:cNvSpPr txBox="1"/>
-          <p:nvPr/>
-        </p:nvSpPr>
-        <p:spPr>
-          <a:xfrm>
-            <a:off x="914400" y="2084831"/>
-            <a:ext cx="9144000" cy="1828800"/>
-          </a:xfrm>
-          <a:prstGeom prst="rect">
-            <a:avLst/>
-          </a:prstGeom>
-          <a:noFill/>
-        </p:spPr>
-        <p:txBody>
-          <a:bodyPr wrap="square">
-            <a:noAutofit/>
-          </a:bodyPr>
-          <a:lstStyle/>
-          <a:p>
-            <a:r>
-              <a:rPr sz="2100" b="0" i="0">
-                <a:latin typeface="Calibri"/>
-              </a:rPr>
-              <a:t>\begin{equation}\label{eq:MatrixMOS}</a:t>
-            </a:r>
-            <a:endParaRPr sz="2100" b="0" i="0">
-              <a:latin typeface="Calibri"/>
-            </a:endParaRPr>
-          </a:p>
-          <a:p>
-            <a:r>
-              <a:rPr sz="2100" b="0" i="0">
-                <a:latin typeface="Calibri"/>
-              </a:rPr>
-              <a:t>\begin{bmatrix}\vdots &amp;  &amp; \vdots &amp;   &amp; \vdots &amp; &amp; \vdots \\</a:t>
-            </a:r>
-            <a:endParaRPr sz="2100" b="0" i="0">
-              <a:latin typeface="Calibri"/>
-            </a:endParaRPr>
-          </a:p>
-          <a:p>
-            <a:r>
-              <a:rPr sz="2100" b="0" i="0">
-                <a:latin typeface="Calibri"/>
-              </a:rPr>
-              <a:t>\dots &amp;  &amp; \dots &amp;   &amp; \dots &amp;  &amp; \dots \\</a:t>
-            </a:r>
-            <a:endParaRPr sz="2100" b="0" i="0">
-              <a:latin typeface="Calibri"/>
-            </a:endParaRPr>
-          </a:p>
-          <a:p>
-            <a:r>
-              <a:rPr sz="2100" b="0" i="0">
-                <a:latin typeface="Calibri"/>
-              </a:rPr>
-              <a:t>\vdots &amp;  &amp; \vdots &amp;   &amp; \vdots &amp; &amp; \vdots \\</a:t>
-            </a:r>
-            <a:endParaRPr sz="2100" b="0" i="0">
-              <a:latin typeface="Calibri"/>
-            </a:endParaRPr>
-          </a:p>
-          <a:p>
-            <a:r>
-              <a:rPr sz="2100" b="0" i="0">
-                <a:latin typeface="Calibri"/>
-              </a:rPr>
-              <a:t>\dots &amp; g_m  &amp; \dots &amp;  &amp; \dots &amp; -g_m &amp; \dots \\</a:t>
-            </a:r>
-            <a:endParaRPr sz="2100" b="0" i="0">
-              <a:latin typeface="Calibri"/>
-            </a:endParaRPr>
-          </a:p>
-          <a:p>
-            <a:r>
-              <a:rPr sz="2100" b="0" i="0">
-                <a:latin typeface="Calibri"/>
-              </a:rPr>
-              <a:t>\vdots &amp;  &amp; \vdots &amp;   &amp; \vdots &amp; &amp; \vdots \\</a:t>
-            </a:r>
-            <a:endParaRPr sz="2100" b="0" i="0">
-              <a:latin typeface="Calibri"/>
-            </a:endParaRPr>
-          </a:p>
-          <a:p>
-            <a:r>
-              <a:rPr sz="2100" b="0" i="0">
-                <a:latin typeface="Calibri"/>
-              </a:rPr>
-              <a:t>\dots &amp; -g_m &amp; \dots &amp;  &amp; \dots &amp; g_m &amp; \dots \\ </a:t>
-            </a:r>
-            <a:endParaRPr sz="2100" b="0" i="0">
-              <a:latin typeface="Calibri"/>
-            </a:endParaRPr>
-          </a:p>
-          <a:p>
-            <a:r>
-              <a:rPr sz="2100" b="0" i="0">
-                <a:latin typeface="Calibri"/>
-              </a:rPr>
-              <a:t>\vdots &amp;  &amp; \vdots &amp;  &amp; \vdots &amp; &amp; \vdots </a:t>
-            </a:r>
-            <a:endParaRPr sz="2100" b="0" i="0">
-              <a:latin typeface="Calibri"/>
-            </a:endParaRPr>
-          </a:p>
-          <a:p>
-            <a:r>
-              <a:rPr sz="2100" b="0" i="0">
-                <a:latin typeface="Calibri"/>
-              </a:rPr>
-              <a:t>\end{bmatrix}  \begin{bmatrix} \vdots\\ V_G\\ \vdots \\  V_D\\ \vdots \\ V_S\\ \vdots</a:t>
-            </a:r>
-            <a:endParaRPr sz="2100" b="0" i="0">
-              <a:latin typeface="Calibri"/>
-            </a:endParaRPr>
-          </a:p>
-          <a:p>
-            <a:r>
-              <a:rPr sz="2100" b="0" i="0">
-                <a:latin typeface="Calibri"/>
-              </a:rPr>
-              <a:t>\end{bmatrix} =\begin{bmatrix} \vdots\\  0 \\ \vdots \\   0 \\ \vdots \\ 0  \\ \vdots \end{bmatrix}</a:t>
-            </a:r>
-            <a:endParaRPr sz="2100" b="0" i="0">
-              <a:latin typeface="Calibri"/>
-            </a:endParaRPr>
-          </a:p>
-          <a:p>
-            <a:r>
-              <a:rPr sz="2100" b="0" i="0">
-                <a:latin typeface="Calibri"/>
-              </a:rPr>
-              <a:t>\end{equation}</a:t>
-            </a:r>
-            <a:endParaRPr sz="2100" b="0" i="0">
-              <a:latin typeface="Calibri"/>
-            </a:endParaRPr>
-          </a:p>
-        </p:txBody>
-      </p:sp>
-    </p:spTree>
-  </p:cSld>
-  <p:clrMapOvr>
-    <a:masterClrMapping/>
-  </p:clrMapOvr>
-</p:sld>
-</file>
-
-<file path=ppt/slides/slide17.xml><?xml version="1.0" encoding="utf-8"?>
-<p:sld xmlns:a="http://schemas.openxmlformats.org/drawingml/2006/main" xmlns:p="http://schemas.openxmlformats.org/presentationml/2006/main" xmlns:r="http://schemas.openxmlformats.org/officeDocument/2006/relationships">
-  <p:cSld>
-    <p:spTree>
-      <p:nvGrpSpPr>
-        <p:cNvPr id="1" name=""/>
-        <p:cNvGrpSpPr/>
-        <p:nvPr/>
-      </p:nvGrpSpPr>
-      <p:grpSpPr/>
-      <p:sp>
-        <p:nvSpPr>
-          <p:cNvPr id="2" name="Title 1"/>
-          <p:cNvSpPr>
-            <a:spLocks noGrp="1"/>
-          </p:cNvSpPr>
-          <p:nvPr>
-            <p:ph type="title"/>
-          </p:nvPr>
-        </p:nvSpPr>
-        <p:spPr/>
-        <p:txBody>
-          <a:bodyPr wrap="square">
-            <a:noAutofit/>
-          </a:bodyPr>
-          <a:lstStyle/>
-          <a:p>
-            <a:r>
-              <a:rPr sz="3200" b="1" i="0">
-                <a:latin typeface="Arial"/>
-              </a:rPr>
-              <a:t>niet-ideale spanningsbron</a:t>
-            </a:r>
-            <a:endParaRPr sz="3200" b="1" i="0">
-              <a:latin typeface="Arial"/>
-            </a:endParaRPr>
-          </a:p>
-        </p:txBody>
-      </p:sp>
-      <p:pic>
-        <p:nvPicPr>
-          <p:cNvPr id="3" name="Picture 2" descr="image.png"/>
-          <p:cNvPicPr>
-            <a:picLocks noChangeAspect="1"/>
-          </p:cNvPicPr>
-          <p:nvPr/>
-        </p:nvPicPr>
-        <p:blipFill>
-          <a:blip r:embed="rId2"/>
-          <a:stretch>
-            <a:fillRect/>
-          </a:stretch>
-        </p:blipFill>
-        <p:spPr>
-          <a:xfrm>
-            <a:off x="0" y="1179576"/>
-            <a:ext cx="12192000" cy="5029200"/>
-          </a:xfrm>
-          <a:prstGeom prst="rect">
-            <a:avLst/>
-          </a:prstGeom>
-        </p:spPr>
-      </p:pic>
-    </p:spTree>
-  </p:cSld>
-  <p:clrMapOvr>
-    <a:masterClrMapping/>
-  </p:clrMapOvr>
-</p:sld>
-</file>
-
-<file path=ppt/slides/slide18.xml><?xml version="1.0" encoding="utf-8"?>
-<p:sld xmlns:a="http://schemas.openxmlformats.org/drawingml/2006/main" xmlns:p="http://schemas.openxmlformats.org/presentationml/2006/main" xmlns:r="http://schemas.openxmlformats.org/officeDocument/2006/relationships">
-  <p:cSld>
-    <p:spTree>
-      <p:nvGrpSpPr>
-        <p:cNvPr id="1" name=""/>
-        <p:cNvGrpSpPr/>
-        <p:nvPr/>
-      </p:nvGrpSpPr>
-      <p:grpSpPr/>
-      <p:sp>
-        <p:nvSpPr>
-          <p:cNvPr id="2" name="Title 1"/>
-          <p:cNvSpPr>
-            <a:spLocks noGrp="1"/>
-          </p:cNvSpPr>
-          <p:nvPr>
-            <p:ph type="title"/>
-          </p:nvPr>
-        </p:nvSpPr>
-        <p:spPr/>
-        <p:txBody>
-          <a:bodyPr wrap="square">
-            <a:noAutofit/>
-          </a:bodyPr>
-          <a:lstStyle/>
-          <a:p>
-            <a:r>
-              <a:rPr sz="3200" b="1" i="0">
-                <a:latin typeface="Arial"/>
-              </a:rPr>
-              <a:t>Schema ideale spanningsbron</a:t>
-            </a:r>
-            <a:endParaRPr sz="3200" b="1" i="0">
-              <a:latin typeface="Arial"/>
-            </a:endParaRPr>
-          </a:p>
-        </p:txBody>
-      </p:sp>
-      <p:pic>
-        <p:nvPicPr>
-          <p:cNvPr id="3" name="Picture 2" descr="image.png"/>
-          <p:cNvPicPr>
-            <a:picLocks noChangeAspect="1"/>
-          </p:cNvPicPr>
-          <p:nvPr/>
-        </p:nvPicPr>
-        <p:blipFill>
-          <a:blip r:embed="rId2"/>
-          <a:stretch>
-            <a:fillRect/>
-          </a:stretch>
-        </p:blipFill>
-        <p:spPr>
-          <a:xfrm>
-            <a:off x="3028451" y="1179576"/>
-            <a:ext cx="6135097" cy="5029200"/>
-          </a:xfrm>
-          <a:prstGeom prst="rect">
-            <a:avLst/>
-          </a:prstGeom>
-        </p:spPr>
-      </p:pic>
-    </p:spTree>
-  </p:cSld>
-  <p:clrMapOvr>
-    <a:masterClrMapping/>
-  </p:clrMapOvr>
-</p:sld>
-</file>
-
-<file path=ppt/slides/slide19.xml><?xml version="1.0" encoding="utf-8"?>
-<p:sld xmlns:a="http://schemas.openxmlformats.org/drawingml/2006/main" xmlns:p="http://schemas.openxmlformats.org/presentationml/2006/main" xmlns:r="http://schemas.openxmlformats.org/officeDocument/2006/relationships">
-  <p:cSld>
-    <p:spTree>
-      <p:nvGrpSpPr>
-        <p:cNvPr id="1" name=""/>
-        <p:cNvGrpSpPr/>
-        <p:nvPr/>
-      </p:nvGrpSpPr>
-      <p:grpSpPr/>
-      <p:sp>
-        <p:nvSpPr>
-          <p:cNvPr id="2" name="Content Placeholder 1"/>
-          <p:cNvSpPr>
-            <a:spLocks noGrp="1"/>
-          </p:cNvSpPr>
-          <p:nvPr>
-            <p:ph idx="1"/>
-          </p:nvPr>
-        </p:nvSpPr>
-        <p:spPr/>
-        <p:txBody>
-          <a:bodyPr/>
-          <a:lstStyle/>
-          <a:p/>
-        </p:txBody>
-      </p:sp>
-      <p:sp>
-        <p:nvSpPr>
-          <p:cNvPr id="3" name="Title 2"/>
-          <p:cNvSpPr>
-            <a:spLocks noGrp="1"/>
-          </p:cNvSpPr>
-          <p:nvPr>
-            <p:ph type="title"/>
-          </p:nvPr>
-        </p:nvSpPr>
-        <p:spPr/>
-        <p:txBody>
-          <a:bodyPr wrap="square">
-            <a:noAutofit/>
-          </a:bodyPr>
-          <a:lstStyle/>
-          <a:p>
-            <a:r>
-              <a:rPr sz="3200" b="1" i="0">
-                <a:latin typeface="Arial"/>
-              </a:rPr>
-              <a:t>Vergelijking ideale spanningsbron</a:t>
-            </a:r>
-            <a:endParaRPr sz="3200" b="1" i="0">
-              <a:latin typeface="Arial"/>
-            </a:endParaRPr>
-          </a:p>
-        </p:txBody>
-      </p:sp>
-      <p:sp>
-        <p:nvSpPr>
-          <p:cNvPr id="4" name="TextBox 3"/>
-          <p:cNvSpPr txBox="1"/>
-          <p:nvPr/>
-        </p:nvSpPr>
-        <p:spPr>
-          <a:xfrm>
-            <a:off x="914400" y="2084831"/>
-            <a:ext cx="9144000" cy="1828800"/>
-          </a:xfrm>
-          <a:prstGeom prst="rect">
-            <a:avLst/>
-          </a:prstGeom>
-          <a:noFill/>
-        </p:spPr>
-        <p:txBody>
-          <a:bodyPr wrap="square">
-            <a:noAutofit/>
-          </a:bodyPr>
-          <a:lstStyle/>
-          <a:p>
-            <a:r>
-              <a:rPr sz="3000" b="0" i="0">
-                <a:latin typeface="Calibri"/>
-              </a:rPr>
-              <a:t>\begin{equation}</a:t>
-            </a:r>
-            <a:endParaRPr sz="3000" b="0" i="0">
-              <a:latin typeface="Calibri"/>
-            </a:endParaRPr>
-          </a:p>
-          <a:p>
-            <a:r>
-              <a:rPr sz="3000" b="0" i="0">
-                <a:latin typeface="Calibri"/>
-              </a:rPr>
-              <a:t>V_i-V_j=V_{oc}.</a:t>
-            </a:r>
-            <a:endParaRPr sz="3000" b="0" i="0">
-              <a:latin typeface="Calibri"/>
-            </a:endParaRPr>
-          </a:p>
-          <a:p>
-            <a:r>
-              <a:rPr sz="3000" b="0" i="0">
-                <a:latin typeface="Calibri"/>
-              </a:rPr>
-              <a:t>\end{equation}</a:t>
-            </a:r>
-            <a:endParaRPr sz="3000" b="0" i="0">
-              <a:latin typeface="Calibri"/>
-            </a:endParaRPr>
-          </a:p>
-        </p:txBody>
-      </p:sp>
     </p:spTree>
   </p:cSld>
   <p:clrMapOvr>
@@ -7048,7 +5746,7 @@
 </p:sld>
 </file>
 
-<file path=ppt/slides/slide20.xml><?xml version="1.0" encoding="utf-8"?>
+<file path=ppt/slides/slide3.xml><?xml version="1.0" encoding="utf-8"?>
 <p:sld xmlns:a="http://schemas.openxmlformats.org/drawingml/2006/main" xmlns:p="http://schemas.openxmlformats.org/presentationml/2006/main" xmlns:r="http://schemas.openxmlformats.org/officeDocument/2006/relationships">
   <p:cSld>
     <p:spTree>
@@ -7060,269 +5758,6 @@
       <p:grpSpPr/>
       <p:sp>
         <p:nvSpPr>
-          <p:cNvPr id="2" name="Content Placeholder 1"/>
-          <p:cNvSpPr>
-            <a:spLocks noGrp="1"/>
-          </p:cNvSpPr>
-          <p:nvPr>
-            <p:ph idx="1"/>
-          </p:nvPr>
-        </p:nvSpPr>
-        <p:spPr/>
-        <p:txBody>
-          <a:bodyPr/>
-          <a:lstStyle/>
-          <a:p/>
-        </p:txBody>
-      </p:sp>
-      <p:sp>
-        <p:nvSpPr>
-          <p:cNvPr id="3" name="Title 2"/>
-          <p:cNvSpPr>
-            <a:spLocks noGrp="1"/>
-          </p:cNvSpPr>
-          <p:nvPr>
-            <p:ph type="title"/>
-          </p:nvPr>
-        </p:nvSpPr>
-        <p:spPr/>
-        <p:txBody>
-          <a:bodyPr wrap="square">
-            <a:noAutofit/>
-          </a:bodyPr>
-          <a:lstStyle/>
-          <a:p>
-            <a:r>
-              <a:rPr sz="3200" b="1" i="0">
-                <a:latin typeface="Arial"/>
-              </a:rPr>
-              <a:t>stempel ideale spanningsbron</a:t>
-            </a:r>
-            <a:endParaRPr sz="3200" b="1" i="0">
-              <a:latin typeface="Arial"/>
-            </a:endParaRPr>
-          </a:p>
-        </p:txBody>
-      </p:sp>
-      <p:sp>
-        <p:nvSpPr>
-          <p:cNvPr id="4" name="TextBox 3"/>
-          <p:cNvSpPr txBox="1"/>
-          <p:nvPr/>
-        </p:nvSpPr>
-        <p:spPr>
-          <a:xfrm>
-            <a:off x="914400" y="2084831"/>
-            <a:ext cx="9144000" cy="1828800"/>
-          </a:xfrm>
-          <a:prstGeom prst="rect">
-            <a:avLst/>
-          </a:prstGeom>
-          <a:noFill/>
-        </p:spPr>
-        <p:txBody>
-          <a:bodyPr wrap="square">
-            <a:noAutofit/>
-          </a:bodyPr>
-          <a:lstStyle/>
-          <a:p>
-            <a:r>
-              <a:rPr sz="2400" b="0" i="0">
-                <a:latin typeface="Calibri"/>
-              </a:rPr>
-              <a:t>\begin{equation}\label{eq:bron}</a:t>
-            </a:r>
-            <a:endParaRPr sz="2400" b="0" i="0">
-              <a:latin typeface="Calibri"/>
-            </a:endParaRPr>
-          </a:p>
-          <a:p>
-            <a:r>
-              <a:rPr sz="2400" b="0" i="0">
-                <a:latin typeface="Calibri"/>
-              </a:rPr>
-              <a:t>\begin{bmatrix}\vdots &amp; &amp; &amp;  &amp; &amp; \vdots &amp; &amp; &amp; \vdots \\</a:t>
-            </a:r>
-            <a:endParaRPr sz="2400" b="0" i="0">
-              <a:latin typeface="Calibri"/>
-            </a:endParaRPr>
-          </a:p>
-          <a:p>
-            <a:r>
-              <a:rPr sz="2400" b="0" i="0">
-                <a:latin typeface="Calibri"/>
-              </a:rPr>
-              <a:t>\dots &amp; &amp; &amp;  &amp; &amp; \dots &amp; 1 &amp; &amp; \dots \\</a:t>
-            </a:r>
-            <a:endParaRPr sz="2400" b="0" i="0">
-              <a:latin typeface="Calibri"/>
-            </a:endParaRPr>
-          </a:p>
-          <a:p>
-            <a:r>
-              <a:rPr sz="2400" b="0" i="0">
-                <a:latin typeface="Calibri"/>
-              </a:rPr>
-              <a:t>\dots &amp; &amp; &amp;  &amp; &amp; \dots &amp; -1 &amp; &amp; \dots \\</a:t>
-            </a:r>
-            <a:endParaRPr sz="2400" b="0" i="0">
-              <a:latin typeface="Calibri"/>
-            </a:endParaRPr>
-          </a:p>
-          <a:p>
-            <a:r>
-              <a:rPr sz="2400" b="0" i="0">
-                <a:latin typeface="Calibri"/>
-              </a:rPr>
-              <a:t>\vdots &amp; &amp; &amp;  &amp; &amp; \vdots &amp; &amp; &amp; \vdots \\</a:t>
-            </a:r>
-            <a:endParaRPr sz="2400" b="0" i="0">
-              <a:latin typeface="Calibri"/>
-            </a:endParaRPr>
-          </a:p>
-          <a:p>
-            <a:r>
-              <a:rPr sz="2400" b="0" i="0">
-                <a:latin typeface="Calibri"/>
-              </a:rPr>
-              <a:t>\dots &amp; 1 &amp; -1&amp; &amp; &amp; \dots &amp; \dots &amp;   &amp; \dots\\</a:t>
-            </a:r>
-            <a:endParaRPr sz="2400" b="0" i="0">
-              <a:latin typeface="Calibri"/>
-            </a:endParaRPr>
-          </a:p>
-          <a:p>
-            <a:r>
-              <a:rPr sz="2400" b="0" i="0">
-                <a:latin typeface="Calibri"/>
-              </a:rPr>
-              <a:t>\vdots &amp; &amp; &amp;  &amp; &amp; \vdots &amp; &amp; &amp; \vdots\end{bmatrix} \begin{bmatrix}  \vdots\\ V_i\\</a:t>
-            </a:r>
-            <a:endParaRPr sz="2400" b="0" i="0">
-              <a:latin typeface="Calibri"/>
-            </a:endParaRPr>
-          </a:p>
-          <a:p>
-            <a:r>
-              <a:rPr sz="2400" b="0" i="0">
-                <a:latin typeface="Calibri"/>
-              </a:rPr>
-              <a:t>   V_j\\</a:t>
-            </a:r>
-            <a:endParaRPr sz="2400" b="0" i="0">
-              <a:latin typeface="Calibri"/>
-            </a:endParaRPr>
-          </a:p>
-          <a:p>
-            <a:r>
-              <a:rPr sz="2400" b="0" i="0">
-                <a:latin typeface="Calibri"/>
-              </a:rPr>
-              <a:t>   \vdots\\</a:t>
-            </a:r>
-            <a:endParaRPr sz="2400" b="0" i="0">
-              <a:latin typeface="Calibri"/>
-            </a:endParaRPr>
-          </a:p>
-          <a:p>
-            <a:r>
-              <a:rPr sz="2400" b="0" i="0">
-                <a:latin typeface="Calibri"/>
-              </a:rPr>
-              <a:t>    I_{sc}\\</a:t>
-            </a:r>
-            <a:endParaRPr sz="2400" b="0" i="0">
-              <a:latin typeface="Calibri"/>
-            </a:endParaRPr>
-          </a:p>
-          <a:p>
-            <a:r>
-              <a:rPr sz="2400" b="0" i="0">
-                <a:latin typeface="Calibri"/>
-              </a:rPr>
-              <a:t>    \vdots\end{bmatrix} =\begin{bmatrix} \vdots\\  0\\</a:t>
-            </a:r>
-            <a:endParaRPr sz="2400" b="0" i="0">
-              <a:latin typeface="Calibri"/>
-            </a:endParaRPr>
-          </a:p>
-          <a:p>
-            <a:r>
-              <a:rPr sz="2400" b="0" i="0">
-                <a:latin typeface="Calibri"/>
-              </a:rPr>
-              <a:t>   0\\</a:t>
-            </a:r>
-            <a:endParaRPr sz="2400" b="0" i="0">
-              <a:latin typeface="Calibri"/>
-            </a:endParaRPr>
-          </a:p>
-          <a:p>
-            <a:r>
-              <a:rPr sz="2400" b="0" i="0">
-                <a:latin typeface="Calibri"/>
-              </a:rPr>
-              <a:t>   \vdots \\</a:t>
-            </a:r>
-            <a:endParaRPr sz="2400" b="0" i="0">
-              <a:latin typeface="Calibri"/>
-            </a:endParaRPr>
-          </a:p>
-          <a:p>
-            <a:r>
-              <a:rPr sz="2400" b="0" i="0">
-                <a:latin typeface="Calibri"/>
-              </a:rPr>
-              <a:t>   V_{oc}\\</a:t>
-            </a:r>
-            <a:endParaRPr sz="2400" b="0" i="0">
-              <a:latin typeface="Calibri"/>
-            </a:endParaRPr>
-          </a:p>
-          <a:p>
-            <a:r>
-              <a:rPr sz="2400" b="0" i="0">
-                <a:latin typeface="Calibri"/>
-              </a:rPr>
-              <a:t> \vdots \end{bmatrix}</a:t>
-            </a:r>
-            <a:endParaRPr sz="2400" b="0" i="0">
-              <a:latin typeface="Calibri"/>
-            </a:endParaRPr>
-          </a:p>
-          <a:p>
-            <a:r>
-              <a:rPr sz="2400" b="0" i="0">
-                <a:latin typeface="Calibri"/>
-              </a:rPr>
-              <a:t>\end{equation}</a:t>
-            </a:r>
-            <a:endParaRPr sz="2400" b="0" i="0">
-              <a:latin typeface="Calibri"/>
-            </a:endParaRPr>
-          </a:p>
-        </p:txBody>
-      </p:sp>
-    </p:spTree>
-  </p:cSld>
-  <p:clrMapOvr>
-    <a:masterClrMapping/>
-  </p:clrMapOvr>
-</p:sld>
-</file>
-
-<file path=ppt/slides/slide21.xml><?xml version="1.0" encoding="utf-8"?>
-<p:sld xmlns:a="http://schemas.openxmlformats.org/drawingml/2006/main" xmlns:p="http://schemas.openxmlformats.org/presentationml/2006/main" xmlns:r="http://schemas.openxmlformats.org/officeDocument/2006/relationships">
-  <p:cSld>
-    <p:spTree>
-      <p:nvGrpSpPr>
-        <p:cNvPr id="1" name=""/>
-        <p:cNvGrpSpPr/>
-        <p:nvPr/>
-      </p:nvGrpSpPr>
-      <p:grpSpPr/>
-      <p:sp>
-        <p:nvSpPr>
           <p:cNvPr id="2" name="Title 1"/>
           <p:cNvSpPr>
             <a:spLocks noGrp="1"/>
@@ -7342,7 +5777,7 @@
               <a:rPr sz="3200" b="1" i="0">
                 <a:latin typeface="Arial"/>
               </a:rPr>
-              <a:t>Transformator componenten</a:t>
+              <a:t>Condensator schema</a:t>
             </a:r>
             <a:endParaRPr sz="3200" b="1" i="0">
               <a:latin typeface="Arial"/>
@@ -7366,819 +5801,14 @@
         </p:blipFill>
         <p:spPr>
           <a:xfrm>
-            <a:off x="2254678" y="1179576"/>
-            <a:ext cx="7682643" cy="5029200"/>
+            <a:off x="1811866" y="1179576"/>
+            <a:ext cx="8568267" cy="5029200"/>
           </a:xfrm>
           <a:prstGeom prst="rect">
             <a:avLst/>
           </a:prstGeom>
         </p:spPr>
       </p:pic>
-    </p:spTree>
-  </p:cSld>
-  <p:clrMapOvr>
-    <a:masterClrMapping/>
-  </p:clrMapOvr>
-</p:sld>
-</file>
-
-<file path=ppt/slides/slide22.xml><?xml version="1.0" encoding="utf-8"?>
-<p:sld xmlns:a="http://schemas.openxmlformats.org/drawingml/2006/main" xmlns:p="http://schemas.openxmlformats.org/presentationml/2006/main" xmlns:r="http://schemas.openxmlformats.org/officeDocument/2006/relationships">
-  <p:cSld>
-    <p:spTree>
-      <p:nvGrpSpPr>
-        <p:cNvPr id="1" name=""/>
-        <p:cNvGrpSpPr/>
-        <p:nvPr/>
-      </p:nvGrpSpPr>
-      <p:grpSpPr/>
-      <p:sp>
-        <p:nvSpPr>
-          <p:cNvPr id="2" name="Content Placeholder 1"/>
-          <p:cNvSpPr>
-            <a:spLocks noGrp="1"/>
-          </p:cNvSpPr>
-          <p:nvPr>
-            <p:ph idx="1"/>
-          </p:nvPr>
-        </p:nvSpPr>
-        <p:spPr/>
-        <p:txBody>
-          <a:bodyPr/>
-          <a:lstStyle/>
-          <a:p/>
-        </p:txBody>
-      </p:sp>
-      <p:sp>
-        <p:nvSpPr>
-          <p:cNvPr id="3" name="Title 2"/>
-          <p:cNvSpPr>
-            <a:spLocks noGrp="1"/>
-          </p:cNvSpPr>
-          <p:nvPr>
-            <p:ph type="title"/>
-          </p:nvPr>
-        </p:nvSpPr>
-        <p:spPr/>
-        <p:txBody>
-          <a:bodyPr wrap="square">
-            <a:noAutofit/>
-          </a:bodyPr>
-          <a:lstStyle/>
-          <a:p>
-            <a:r>
-              <a:rPr sz="3200" b="1" i="0">
-                <a:latin typeface="Arial"/>
-              </a:rPr>
-              <a:t>Vergelijkingen transformator</a:t>
-            </a:r>
-            <a:endParaRPr sz="3200" b="1" i="0">
-              <a:latin typeface="Arial"/>
-            </a:endParaRPr>
-          </a:p>
-        </p:txBody>
-      </p:sp>
-      <p:sp>
-        <p:nvSpPr>
-          <p:cNvPr id="4" name="TextBox 3"/>
-          <p:cNvSpPr txBox="1"/>
-          <p:nvPr/>
-        </p:nvSpPr>
-        <p:spPr>
-          <a:xfrm>
-            <a:off x="914400" y="2084831"/>
-            <a:ext cx="9144000" cy="1828800"/>
-          </a:xfrm>
-          <a:prstGeom prst="rect">
-            <a:avLst/>
-          </a:prstGeom>
-          <a:noFill/>
-        </p:spPr>
-        <p:txBody>
-          <a:bodyPr wrap="square">
-            <a:noAutofit/>
-          </a:bodyPr>
-          <a:lstStyle/>
-          <a:p>
-            <a:r>
-              <a:rPr sz="3000" b="0" i="0">
-                <a:latin typeface="Calibri"/>
-              </a:rPr>
-              <a:t>```{math}</a:t>
-            </a:r>
-            <a:endParaRPr sz="3000" b="0" i="0">
-              <a:latin typeface="Calibri"/>
-            </a:endParaRPr>
-          </a:p>
-          <a:p>
-            <a:r>
-              <a:rPr sz="3000" b="0" i="0">
-                <a:latin typeface="Calibri"/>
-              </a:rPr>
-              <a:t>:label: TransformEq</a:t>
-            </a:r>
-            <a:endParaRPr sz="3000" b="0" i="0">
-              <a:latin typeface="Calibri"/>
-            </a:endParaRPr>
-          </a:p>
-          <a:p>
-            <a:r>
-              <a:rPr sz="3000" b="0" i="0">
-                <a:latin typeface="Calibri"/>
-              </a:rPr>
-              <a:t>\begin{aligned}</a:t>
-            </a:r>
-            <a:endParaRPr sz="3000" b="0" i="0">
-              <a:latin typeface="Calibri"/>
-            </a:endParaRPr>
-          </a:p>
-          <a:p>
-            <a:r>
-              <a:rPr sz="3000" b="0" i="0">
-                <a:latin typeface="Calibri"/>
-              </a:rPr>
-              <a:t>V_i-V_j - j \omega L_{ij} I_1 - j \omega M I_2 = 0 \\</a:t>
-            </a:r>
-            <a:endParaRPr sz="3000" b="0" i="0">
-              <a:latin typeface="Calibri"/>
-            </a:endParaRPr>
-          </a:p>
-          <a:p>
-            <a:r>
-              <a:rPr sz="3000" b="0" i="0">
-                <a:latin typeface="Calibri"/>
-              </a:rPr>
-              <a:t>V_k-V_l - j \omega M I_1 - j \omega L_{kl} I_2 = 0 \\</a:t>
-            </a:r>
-            <a:endParaRPr sz="3000" b="0" i="0">
-              <a:latin typeface="Calibri"/>
-            </a:endParaRPr>
-          </a:p>
-          <a:p>
-            <a:r>
-              <a:rPr sz="3000" b="0" i="0">
-                <a:latin typeface="Calibri"/>
-              </a:rPr>
-              <a:t>\end{aligned}</a:t>
-            </a:r>
-            <a:endParaRPr sz="3000" b="0" i="0">
-              <a:latin typeface="Calibri"/>
-            </a:endParaRPr>
-          </a:p>
-          <a:p>
-            <a:r>
-              <a:rPr sz="3000" b="0" i="0">
-                <a:latin typeface="Calibri"/>
-              </a:rPr>
-              <a:t>```</a:t>
-            </a:r>
-            <a:endParaRPr sz="3000" b="0" i="0">
-              <a:latin typeface="Calibri"/>
-            </a:endParaRPr>
-          </a:p>
-        </p:txBody>
-      </p:sp>
-    </p:spTree>
-  </p:cSld>
-  <p:clrMapOvr>
-    <a:masterClrMapping/>
-  </p:clrMapOvr>
-</p:sld>
-</file>
-
-<file path=ppt/slides/slide23.xml><?xml version="1.0" encoding="utf-8"?>
-<p:sld xmlns:a="http://schemas.openxmlformats.org/drawingml/2006/main" xmlns:p="http://schemas.openxmlformats.org/presentationml/2006/main" xmlns:r="http://schemas.openxmlformats.org/officeDocument/2006/relationships">
-  <p:cSld>
-    <p:spTree>
-      <p:nvGrpSpPr>
-        <p:cNvPr id="1" name=""/>
-        <p:cNvGrpSpPr/>
-        <p:nvPr/>
-      </p:nvGrpSpPr>
-      <p:grpSpPr/>
-      <p:sp>
-        <p:nvSpPr>
-          <p:cNvPr id="2" name="Content Placeholder 1"/>
-          <p:cNvSpPr>
-            <a:spLocks noGrp="1"/>
-          </p:cNvSpPr>
-          <p:nvPr>
-            <p:ph idx="1"/>
-          </p:nvPr>
-        </p:nvSpPr>
-        <p:spPr/>
-        <p:txBody>
-          <a:bodyPr/>
-          <a:lstStyle/>
-          <a:p/>
-        </p:txBody>
-      </p:sp>
-      <p:sp>
-        <p:nvSpPr>
-          <p:cNvPr id="3" name="Title 2"/>
-          <p:cNvSpPr>
-            <a:spLocks noGrp="1"/>
-          </p:cNvSpPr>
-          <p:nvPr>
-            <p:ph type="title"/>
-          </p:nvPr>
-        </p:nvSpPr>
-        <p:spPr/>
-        <p:txBody>
-          <a:bodyPr wrap="square">
-            <a:noAutofit/>
-          </a:bodyPr>
-          <a:lstStyle/>
-          <a:p>
-            <a:r>
-              <a:rPr sz="3200" b="1" i="0">
-                <a:latin typeface="Arial"/>
-              </a:rPr>
-              <a:t>Stempel van de transformator</a:t>
-            </a:r>
-            <a:endParaRPr sz="3200" b="1" i="0">
-              <a:latin typeface="Arial"/>
-            </a:endParaRPr>
-          </a:p>
-        </p:txBody>
-      </p:sp>
-      <p:sp>
-        <p:nvSpPr>
-          <p:cNvPr id="4" name="TextBox 3"/>
-          <p:cNvSpPr txBox="1"/>
-          <p:nvPr/>
-        </p:nvSpPr>
-        <p:spPr>
-          <a:xfrm>
-            <a:off x="914400" y="2084831"/>
-            <a:ext cx="9144000" cy="1828800"/>
-          </a:xfrm>
-          <a:prstGeom prst="rect">
-            <a:avLst/>
-          </a:prstGeom>
-          <a:noFill/>
-        </p:spPr>
-        <p:txBody>
-          <a:bodyPr wrap="square">
-            <a:noAutofit/>
-          </a:bodyPr>
-          <a:lstStyle/>
-          <a:p>
-            <a:r>
-              <a:rPr sz="2000" b="0" i="0">
-                <a:latin typeface="Calibri"/>
-              </a:rPr>
-              <a:t>```{math}</a:t>
-            </a:r>
-            <a:endParaRPr sz="2000" b="0" i="0">
-              <a:latin typeface="Calibri"/>
-            </a:endParaRPr>
-          </a:p>
-          <a:p>
-            <a:r>
-              <a:rPr sz="2000" b="0" i="0">
-                <a:latin typeface="Calibri"/>
-              </a:rPr>
-              <a:t>:label: Transformmatrix</a:t>
-            </a:r>
-            <a:endParaRPr sz="2000" b="0" i="0">
-              <a:latin typeface="Calibri"/>
-            </a:endParaRPr>
-          </a:p>
-          <a:p>
-            <a:r>
-              <a:rPr sz="2000" b="0" i="0">
-                <a:latin typeface="Calibri"/>
-              </a:rPr>
-              <a:t>\begin{bmatrix}\vdots &amp; &amp; &amp;  &amp; &amp; \vdots &amp; &amp; &amp; \vdots \\</a:t>
-            </a:r>
-            <a:endParaRPr sz="2000" b="0" i="0">
-              <a:latin typeface="Calibri"/>
-            </a:endParaRPr>
-          </a:p>
-          <a:p>
-            <a:r>
-              <a:rPr sz="2000" b="0" i="0">
-                <a:latin typeface="Calibri"/>
-              </a:rPr>
-              <a:t>\dots &amp; &amp; &amp;  &amp; &amp; \dots &amp; 1 &amp; &amp; \dots \\</a:t>
-            </a:r>
-            <a:endParaRPr sz="2000" b="0" i="0">
-              <a:latin typeface="Calibri"/>
-            </a:endParaRPr>
-          </a:p>
-          <a:p>
-            <a:r>
-              <a:rPr sz="2000" b="0" i="0">
-                <a:latin typeface="Calibri"/>
-              </a:rPr>
-              <a:t>\dots &amp; &amp; &amp;  &amp; &amp; \dots &amp; -1 &amp; &amp; \dots \\</a:t>
-            </a:r>
-            <a:endParaRPr sz="2000" b="0" i="0">
-              <a:latin typeface="Calibri"/>
-            </a:endParaRPr>
-          </a:p>
-          <a:p>
-            <a:r>
-              <a:rPr sz="2000" b="0" i="0">
-                <a:latin typeface="Calibri"/>
-              </a:rPr>
-              <a:t>\dots &amp; &amp; &amp;  &amp; &amp; \dots &amp; &amp; 1 &amp; \dots \\</a:t>
-            </a:r>
-            <a:endParaRPr sz="2000" b="0" i="0">
-              <a:latin typeface="Calibri"/>
-            </a:endParaRPr>
-          </a:p>
-          <a:p>
-            <a:r>
-              <a:rPr sz="2000" b="0" i="0">
-                <a:latin typeface="Calibri"/>
-              </a:rPr>
-              <a:t>\dots &amp; &amp; &amp;  &amp; &amp; \dots &amp; &amp; -1 &amp; \dots \\</a:t>
-            </a:r>
-            <a:endParaRPr sz="2000" b="0" i="0">
-              <a:latin typeface="Calibri"/>
-            </a:endParaRPr>
-          </a:p>
-          <a:p>
-            <a:r>
-              <a:rPr sz="2000" b="0" i="0">
-                <a:latin typeface="Calibri"/>
-              </a:rPr>
-              <a:t>\vdots &amp; &amp; &amp;  &amp; &amp; \vdots &amp; &amp; &amp; \vdots \\</a:t>
-            </a:r>
-            <a:endParaRPr sz="2000" b="0" i="0">
-              <a:latin typeface="Calibri"/>
-            </a:endParaRPr>
-          </a:p>
-          <a:p>
-            <a:r>
-              <a:rPr sz="2000" b="0" i="0">
-                <a:latin typeface="Calibri"/>
-              </a:rPr>
-              <a:t>\dots &amp; 1 &amp; -1&amp; &amp; &amp; \dots &amp; - j \omega L_{ij} &amp; - j \omega M  &amp; \dots\\</a:t>
-            </a:r>
-            <a:endParaRPr sz="2000" b="0" i="0">
-              <a:latin typeface="Calibri"/>
-            </a:endParaRPr>
-          </a:p>
-          <a:p>
-            <a:r>
-              <a:rPr sz="2000" b="0" i="0">
-                <a:latin typeface="Calibri"/>
-              </a:rPr>
-              <a:t>\dots &amp; &amp; &amp; 1 &amp; -1&amp; \dots &amp; - j \omega M &amp; - j \omega L_{kl} &amp; \dots \\ </a:t>
-            </a:r>
-            <a:endParaRPr sz="2000" b="0" i="0">
-              <a:latin typeface="Calibri"/>
-            </a:endParaRPr>
-          </a:p>
-          <a:p>
-            <a:r>
-              <a:rPr sz="2000" b="0" i="0">
-                <a:latin typeface="Calibri"/>
-              </a:rPr>
-              <a:t>\vdots &amp; &amp; &amp;  &amp; &amp; \vdots &amp; &amp; &amp; \vdots\end{bmatrix} \begin{bmatrix}  \vdots\\ V_i\\</a:t>
-            </a:r>
-            <a:endParaRPr sz="2000" b="0" i="0">
-              <a:latin typeface="Calibri"/>
-            </a:endParaRPr>
-          </a:p>
-          <a:p>
-            <a:r>
-              <a:rPr sz="2000" b="0" i="0">
-                <a:latin typeface="Calibri"/>
-              </a:rPr>
-              <a:t>   V_j\\</a:t>
-            </a:r>
-            <a:endParaRPr sz="2000" b="0" i="0">
-              <a:latin typeface="Calibri"/>
-            </a:endParaRPr>
-          </a:p>
-          <a:p>
-            <a:r>
-              <a:rPr sz="2000" b="0" i="0">
-                <a:latin typeface="Calibri"/>
-              </a:rPr>
-              <a:t>   V_k\\</a:t>
-            </a:r>
-            <a:endParaRPr sz="2000" b="0" i="0">
-              <a:latin typeface="Calibri"/>
-            </a:endParaRPr>
-          </a:p>
-          <a:p>
-            <a:r>
-              <a:rPr sz="2000" b="0" i="0">
-                <a:latin typeface="Calibri"/>
-              </a:rPr>
-              <a:t>   V_l\\</a:t>
-            </a:r>
-            <a:endParaRPr sz="2000" b="0" i="0">
-              <a:latin typeface="Calibri"/>
-            </a:endParaRPr>
-          </a:p>
-          <a:p>
-            <a:r>
-              <a:rPr sz="2000" b="0" i="0">
-                <a:latin typeface="Calibri"/>
-              </a:rPr>
-              <a:t>   \vdots\\</a:t>
-            </a:r>
-            <a:endParaRPr sz="2000" b="0" i="0">
-              <a:latin typeface="Calibri"/>
-            </a:endParaRPr>
-          </a:p>
-          <a:p>
-            <a:r>
-              <a:rPr sz="2000" b="0" i="0">
-                <a:latin typeface="Calibri"/>
-              </a:rPr>
-              <a:t>    I_1\\</a:t>
-            </a:r>
-            <a:endParaRPr sz="2000" b="0" i="0">
-              <a:latin typeface="Calibri"/>
-            </a:endParaRPr>
-          </a:p>
-          <a:p>
-            <a:r>
-              <a:rPr sz="2000" b="0" i="0">
-                <a:latin typeface="Calibri"/>
-              </a:rPr>
-              <a:t>    I_2\\</a:t>
-            </a:r>
-            <a:endParaRPr sz="2000" b="0" i="0">
-              <a:latin typeface="Calibri"/>
-            </a:endParaRPr>
-          </a:p>
-          <a:p>
-            <a:r>
-              <a:rPr sz="2000" b="0" i="0">
-                <a:latin typeface="Calibri"/>
-              </a:rPr>
-              <a:t>    \vdots\end{bmatrix} =\begin{bmatrix} \vdots\\  0\\</a:t>
-            </a:r>
-            <a:endParaRPr sz="2000" b="0" i="0">
-              <a:latin typeface="Calibri"/>
-            </a:endParaRPr>
-          </a:p>
-          <a:p>
-            <a:r>
-              <a:rPr sz="2000" b="0" i="0">
-                <a:latin typeface="Calibri"/>
-              </a:rPr>
-              <a:t>   0\\</a:t>
-            </a:r>
-            <a:endParaRPr sz="2000" b="0" i="0">
-              <a:latin typeface="Calibri"/>
-            </a:endParaRPr>
-          </a:p>
-          <a:p>
-            <a:r>
-              <a:rPr sz="2000" b="0" i="0">
-                <a:latin typeface="Calibri"/>
-              </a:rPr>
-              <a:t>   0\\</a:t>
-            </a:r>
-            <a:endParaRPr sz="2000" b="0" i="0">
-              <a:latin typeface="Calibri"/>
-            </a:endParaRPr>
-          </a:p>
-          <a:p>
-            <a:r>
-              <a:rPr sz="2000" b="0" i="0">
-                <a:latin typeface="Calibri"/>
-              </a:rPr>
-              <a:t>   0\\</a:t>
-            </a:r>
-            <a:endParaRPr sz="2000" b="0" i="0">
-              <a:latin typeface="Calibri"/>
-            </a:endParaRPr>
-          </a:p>
-          <a:p>
-            <a:r>
-              <a:rPr sz="2000" b="0" i="0">
-                <a:latin typeface="Calibri"/>
-              </a:rPr>
-              <a:t>   \vdots \\</a:t>
-            </a:r>
-            <a:endParaRPr sz="2000" b="0" i="0">
-              <a:latin typeface="Calibri"/>
-            </a:endParaRPr>
-          </a:p>
-          <a:p>
-            <a:r>
-              <a:rPr sz="2000" b="0" i="0">
-                <a:latin typeface="Calibri"/>
-              </a:rPr>
-              <a:t>   0\\</a:t>
-            </a:r>
-            <a:endParaRPr sz="2000" b="0" i="0">
-              <a:latin typeface="Calibri"/>
-            </a:endParaRPr>
-          </a:p>
-          <a:p>
-            <a:r>
-              <a:rPr sz="2000" b="0" i="0">
-                <a:latin typeface="Calibri"/>
-              </a:rPr>
-              <a:t>   0\\</a:t>
-            </a:r>
-            <a:endParaRPr sz="2000" b="0" i="0">
-              <a:latin typeface="Calibri"/>
-            </a:endParaRPr>
-          </a:p>
-          <a:p>
-            <a:r>
-              <a:rPr sz="2000" b="0" i="0">
-                <a:latin typeface="Calibri"/>
-              </a:rPr>
-              <a:t> \vdots \end{bmatrix}</a:t>
-            </a:r>
-            <a:endParaRPr sz="2000" b="0" i="0">
-              <a:latin typeface="Calibri"/>
-            </a:endParaRPr>
-          </a:p>
-          <a:p>
-            <a:r>
-              <a:rPr sz="2000" b="0" i="0">
-                <a:latin typeface="Calibri"/>
-              </a:rPr>
-              <a:t>```</a:t>
-            </a:r>
-            <a:endParaRPr sz="2000" b="0" i="0">
-              <a:latin typeface="Calibri"/>
-            </a:endParaRPr>
-          </a:p>
-        </p:txBody>
-      </p:sp>
-    </p:spTree>
-  </p:cSld>
-  <p:clrMapOvr>
-    <a:masterClrMapping/>
-  </p:clrMapOvr>
-</p:sld>
-</file>
-
-<file path=ppt/slides/slide24.xml><?xml version="1.0" encoding="utf-8"?>
-<p:sld xmlns:a="http://schemas.openxmlformats.org/drawingml/2006/main" xmlns:p="http://schemas.openxmlformats.org/presentationml/2006/main" xmlns:r="http://schemas.openxmlformats.org/officeDocument/2006/relationships">
-  <p:cSld>
-    <p:spTree>
-      <p:nvGrpSpPr>
-        <p:cNvPr id="1" name=""/>
-        <p:cNvGrpSpPr/>
-        <p:nvPr/>
-      </p:nvGrpSpPr>
-      <p:grpSpPr/>
-    </p:spTree>
-  </p:cSld>
-  <p:clrMapOvr>
-    <a:masterClrMapping/>
-  </p:clrMapOvr>
-</p:sld>
-</file>
-
-<file path=ppt/slides/slide25.xml><?xml version="1.0" encoding="utf-8"?>
-<p:sld xmlns:a="http://schemas.openxmlformats.org/drawingml/2006/main" xmlns:p="http://schemas.openxmlformats.org/presentationml/2006/main" xmlns:r="http://schemas.openxmlformats.org/officeDocument/2006/relationships">
-  <p:cSld>
-    <p:spTree>
-      <p:nvGrpSpPr>
-        <p:cNvPr id="1" name=""/>
-        <p:cNvGrpSpPr/>
-        <p:nvPr/>
-      </p:nvGrpSpPr>
-      <p:grpSpPr/>
-    </p:spTree>
-  </p:cSld>
-  <p:clrMapOvr>
-    <a:masterClrMapping/>
-  </p:clrMapOvr>
-</p:sld>
-</file>
-
-<file path=ppt/slides/slide3.xml><?xml version="1.0" encoding="utf-8"?>
-<p:sld xmlns:a="http://schemas.openxmlformats.org/drawingml/2006/main" xmlns:p="http://schemas.openxmlformats.org/presentationml/2006/main" xmlns:r="http://schemas.openxmlformats.org/officeDocument/2006/relationships">
-  <p:cSld>
-    <p:spTree>
-      <p:nvGrpSpPr>
-        <p:cNvPr id="1" name=""/>
-        <p:cNvGrpSpPr/>
-        <p:nvPr/>
-      </p:nvGrpSpPr>
-      <p:grpSpPr/>
-      <p:sp>
-        <p:nvSpPr>
-          <p:cNvPr id="2" name="Content Placeholder 1"/>
-          <p:cNvSpPr>
-            <a:spLocks noGrp="1"/>
-          </p:cNvSpPr>
-          <p:nvPr>
-            <p:ph idx="1"/>
-          </p:nvPr>
-        </p:nvSpPr>
-        <p:spPr/>
-        <p:txBody>
-          <a:bodyPr/>
-          <a:lstStyle/>
-          <a:p/>
-        </p:txBody>
-      </p:sp>
-      <p:sp>
-        <p:nvSpPr>
-          <p:cNvPr id="3" name="Title 2"/>
-          <p:cNvSpPr>
-            <a:spLocks noGrp="1"/>
-          </p:cNvSpPr>
-          <p:nvPr>
-            <p:ph type="title"/>
-          </p:nvPr>
-        </p:nvSpPr>
-        <p:spPr/>
-        <p:txBody>
-          <a:bodyPr wrap="square">
-            <a:noAutofit/>
-          </a:bodyPr>
-          <a:lstStyle/>
-          <a:p>
-            <a:r>
-              <a:rPr sz="3200" b="1" i="0">
-                <a:latin typeface="Arial"/>
-              </a:rPr>
-              <a:t>Vergelijkingen voor de stroom</a:t>
-            </a:r>
-            <a:endParaRPr sz="3200" b="1" i="0">
-              <a:latin typeface="Arial"/>
-            </a:endParaRPr>
-          </a:p>
-        </p:txBody>
-      </p:sp>
-      <p:sp>
-        <p:nvSpPr>
-          <p:cNvPr id="4" name="TextBox 3"/>
-          <p:cNvSpPr txBox="1"/>
-          <p:nvPr/>
-        </p:nvSpPr>
-        <p:spPr>
-          <a:xfrm>
-            <a:off x="914400" y="2084831"/>
-            <a:ext cx="9144000" cy="1828800"/>
-          </a:xfrm>
-          <a:prstGeom prst="rect">
-            <a:avLst/>
-          </a:prstGeom>
-          <a:noFill/>
-        </p:spPr>
-        <p:txBody>
-          <a:bodyPr wrap="square">
-            <a:noAutofit/>
-          </a:bodyPr>
-          <a:lstStyle/>
-          <a:p>
-            <a:r>
-              <a:rPr sz="3000" b="0" i="0">
-                <a:latin typeface="Calibri"/>
-              </a:rPr>
-              <a:t>\begin{equation}\label{eq:cond}</a:t>
-            </a:r>
-            <a:endParaRPr sz="3000" b="0" i="0">
-              <a:latin typeface="Calibri"/>
-            </a:endParaRPr>
-          </a:p>
-          <a:p>
-            <a:r>
-              <a:rPr sz="3000" b="0" i="0">
-                <a:latin typeface="Calibri"/>
-              </a:rPr>
-              <a:t>I_{ij}=g (V_i-V_j) =  g  V_i - g V_j,</a:t>
-            </a:r>
-            <a:endParaRPr sz="3000" b="0" i="0">
-              <a:latin typeface="Calibri"/>
-            </a:endParaRPr>
-          </a:p>
-          <a:p>
-            <a:r>
-              <a:rPr sz="3000" b="0" i="0">
-                <a:latin typeface="Calibri"/>
-              </a:rPr>
-              <a:t>\end{equation}</a:t>
-            </a:r>
-            <a:endParaRPr sz="3000" b="0" i="0">
-              <a:latin typeface="Calibri"/>
-            </a:endParaRPr>
-          </a:p>
-        </p:txBody>
-      </p:sp>
-      <p:sp>
-        <p:nvSpPr>
-          <p:cNvPr id="5" name="TextBox 4"/>
-          <p:cNvSpPr txBox="1"/>
-          <p:nvPr/>
-        </p:nvSpPr>
-        <p:spPr>
-          <a:xfrm>
-            <a:off x="914400" y="4187951"/>
-            <a:ext cx="9144000" cy="1828800"/>
-          </a:xfrm>
-          <a:prstGeom prst="rect">
-            <a:avLst/>
-          </a:prstGeom>
-          <a:noFill/>
-        </p:spPr>
-        <p:txBody>
-          <a:bodyPr wrap="square">
-            <a:noAutofit/>
-          </a:bodyPr>
-          <a:lstStyle/>
-          <a:p>
-            <a:r>
-              <a:rPr sz="3000" b="0" i="0">
-                <a:latin typeface="Calibri"/>
-              </a:rPr>
-              <a:t>\begin{equation}\label{eq:cond2}</a:t>
-            </a:r>
-            <a:endParaRPr sz="3000" b="0" i="0">
-              <a:latin typeface="Calibri"/>
-            </a:endParaRPr>
-          </a:p>
-          <a:p>
-            <a:r>
-              <a:rPr sz="3000" b="0" i="0">
-                <a:latin typeface="Calibri"/>
-              </a:rPr>
-              <a:t>I_{ji}=-I_{ij}=g (V_j-V_i) =  -g  V_i + g V_j</a:t>
-            </a:r>
-            <a:endParaRPr sz="3000" b="0" i="0">
-              <a:latin typeface="Calibri"/>
-            </a:endParaRPr>
-          </a:p>
-          <a:p>
-            <a:r>
-              <a:rPr sz="3000" b="0" i="0">
-                <a:latin typeface="Calibri"/>
-              </a:rPr>
-              <a:t>\end{equation}</a:t>
-            </a:r>
-            <a:endParaRPr sz="3000" b="0" i="0">
-              <a:latin typeface="Calibri"/>
-            </a:endParaRPr>
-          </a:p>
-        </p:txBody>
-      </p:sp>
-      <p:sp>
-        <p:nvSpPr>
-          <p:cNvPr id="6" name="TextBox 5"/>
-          <p:cNvSpPr txBox="1"/>
-          <p:nvPr/>
-        </p:nvSpPr>
-        <p:spPr>
-          <a:xfrm>
-            <a:off x="914400" y="6291071"/>
-            <a:ext cx="9144000" cy="1828800"/>
-          </a:xfrm>
-          <a:prstGeom prst="rect">
-            <a:avLst/>
-          </a:prstGeom>
-          <a:noFill/>
-        </p:spPr>
-        <p:txBody>
-          <a:bodyPr wrap="square">
-            <a:noAutofit/>
-          </a:bodyPr>
-          <a:lstStyle/>
-          <a:p>
-            <a:r>
-              <a:rPr sz="3000" b="0" i="0">
-                <a:latin typeface="Calibri"/>
-              </a:rPr>
-              <a:t>\begin{equation}\label{eq:Kirchoff}</a:t>
-            </a:r>
-            <a:endParaRPr sz="3000" b="0" i="0">
-              <a:latin typeface="Calibri"/>
-            </a:endParaRPr>
-          </a:p>
-          <a:p>
-            <a:r>
-              <a:rPr sz="3000" b="0" i="0">
-                <a:latin typeface="Calibri"/>
-              </a:rPr>
-              <a:t>\sum_{j \neq i}^n I_{ij}=0.</a:t>
-            </a:r>
-            <a:endParaRPr sz="3000" b="0" i="0">
-              <a:latin typeface="Calibri"/>
-            </a:endParaRPr>
-          </a:p>
-          <a:p>
-            <a:r>
-              <a:rPr sz="3000" b="0" i="0">
-                <a:latin typeface="Calibri"/>
-              </a:rPr>
-              <a:t>\end{equation}</a:t>
-            </a:r>
-            <a:endParaRPr sz="3000" b="0" i="0">
-              <a:latin typeface="Calibri"/>
-            </a:endParaRPr>
-          </a:p>
-        </p:txBody>
-      </p:sp>
     </p:spTree>
   </p:cSld>
   <p:clrMapOvr>
@@ -8199,24 +5829,7 @@
       <p:grpSpPr/>
       <p:sp>
         <p:nvSpPr>
-          <p:cNvPr id="2" name="Content Placeholder 1"/>
-          <p:cNvSpPr>
-            <a:spLocks noGrp="1"/>
-          </p:cNvSpPr>
-          <p:nvPr>
-            <p:ph idx="1"/>
-          </p:nvPr>
-        </p:nvSpPr>
-        <p:spPr/>
-        <p:txBody>
-          <a:bodyPr/>
-          <a:lstStyle/>
-          <a:p/>
-        </p:txBody>
-      </p:sp>
-      <p:sp>
-        <p:nvSpPr>
-          <p:cNvPr id="3" name="Title 2"/>
+          <p:cNvPr id="2" name="Title 1"/>
           <p:cNvSpPr>
             <a:spLocks noGrp="1"/>
           </p:cNvSpPr>
@@ -8235,7 +5848,7 @@
               <a:rPr sz="3200" b="1" i="0">
                 <a:latin typeface="Arial"/>
               </a:rPr>
-              <a:t>stempel van de weerstand</a:t>
+              <a:t>Schema van het spoel</a:t>
             </a:r>
             <a:endParaRPr sz="3200" b="1" i="0">
               <a:latin typeface="Arial"/>
@@ -8243,128 +5856,30 @@
           </a:p>
         </p:txBody>
       </p:sp>
-      <p:sp>
-        <p:nvSpPr>
-          <p:cNvPr id="4" name="TextBox 3"/>
-          <p:cNvSpPr txBox="1"/>
+      <p:pic>
+        <p:nvPicPr>
+          <p:cNvPr id="3" name="Picture 2" descr="image.png"/>
+          <p:cNvPicPr>
+            <a:picLocks noChangeAspect="1"/>
+          </p:cNvPicPr>
           <p:nvPr/>
-        </p:nvSpPr>
-        <p:spPr>
-          <a:xfrm>
-            <a:off x="914400" y="2084831"/>
-            <a:ext cx="9144000" cy="1828800"/>
+        </p:nvPicPr>
+        <p:blipFill>
+          <a:blip r:embed="rId2"/>
+          <a:stretch>
+            <a:fillRect/>
+          </a:stretch>
+        </p:blipFill>
+        <p:spPr>
+          <a:xfrm>
+            <a:off x="1559859" y="1179576"/>
+            <a:ext cx="9072282" cy="5029200"/>
           </a:xfrm>
           <a:prstGeom prst="rect">
             <a:avLst/>
           </a:prstGeom>
-          <a:noFill/>
-        </p:spPr>
-        <p:txBody>
-          <a:bodyPr wrap="square">
-            <a:noAutofit/>
-          </a:bodyPr>
-          <a:lstStyle/>
-          <a:p>
-            <a:r>
-              <a:rPr sz="2700" b="0" i="0">
-                <a:latin typeface="Calibri"/>
-              </a:rPr>
-              <a:t>\begin{equation}\label{eq:MatrixR1}</a:t>
-            </a:r>
-            <a:endParaRPr sz="2700" b="0" i="0">
-              <a:latin typeface="Calibri"/>
-            </a:endParaRPr>
-          </a:p>
-          <a:p>
-            <a:r>
-              <a:rPr sz="2700" b="0" i="0">
-                <a:latin typeface="Calibri"/>
-              </a:rPr>
-              <a:t>\begin{bmatrix}\vdots &amp;  &amp; \vdots &amp;   &amp; \vdots \\</a:t>
-            </a:r>
-            <a:endParaRPr sz="2700" b="0" i="0">
-              <a:latin typeface="Calibri"/>
-            </a:endParaRPr>
-          </a:p>
-          <a:p>
-            <a:r>
-              <a:rPr sz="2700" b="0" i="0">
-                <a:latin typeface="Calibri"/>
-              </a:rPr>
-              <a:t>\dots &amp; g  &amp; \dots &amp; -g &amp; \dots \\</a:t>
-            </a:r>
-            <a:endParaRPr sz="2700" b="0" i="0">
-              <a:latin typeface="Calibri"/>
-            </a:endParaRPr>
-          </a:p>
-          <a:p>
-            <a:r>
-              <a:rPr sz="2700" b="0" i="0">
-                <a:latin typeface="Calibri"/>
-              </a:rPr>
-              <a:t>\vdots &amp;  &amp; \vdots &amp;   &amp; \vdots \\</a:t>
-            </a:r>
-            <a:endParaRPr sz="2700" b="0" i="0">
-              <a:latin typeface="Calibri"/>
-            </a:endParaRPr>
-          </a:p>
-          <a:p>
-            <a:r>
-              <a:rPr sz="2700" b="0" i="0">
-                <a:latin typeface="Calibri"/>
-              </a:rPr>
-              <a:t>\dots &amp; -g &amp; \dots &amp; g  &amp; \dots \\ </a:t>
-            </a:r>
-            <a:endParaRPr sz="2700" b="0" i="0">
-              <a:latin typeface="Calibri"/>
-            </a:endParaRPr>
-          </a:p>
-          <a:p>
-            <a:r>
-              <a:rPr sz="2700" b="0" i="0">
-                <a:latin typeface="Calibri"/>
-              </a:rPr>
-              <a:t>\vdots &amp;  &amp; \vdots &amp;  &amp; \vdots</a:t>
-            </a:r>
-            <a:endParaRPr sz="2700" b="0" i="0">
-              <a:latin typeface="Calibri"/>
-            </a:endParaRPr>
-          </a:p>
-          <a:p>
-            <a:r>
-              <a:rPr sz="2700" b="0" i="0">
-                <a:latin typeface="Calibri"/>
-              </a:rPr>
-              <a:t>\end{bmatrix}  \begin{bmatrix} \vdots \\ V_i \\ \vdots \\ V_j \\ \vdots</a:t>
-            </a:r>
-            <a:endParaRPr sz="2700" b="0" i="0">
-              <a:latin typeface="Calibri"/>
-            </a:endParaRPr>
-          </a:p>
-          <a:p>
-            <a:r>
-              <a:rPr sz="2700" b="0" i="0">
-                <a:latin typeface="Calibri"/>
-              </a:rPr>
-              <a:t>\end{bmatrix} =\begin{bmatrix} \vdots \\  0 \\ \vdots \\ 0  \\ \vdots \end{bmatrix}</a:t>
-            </a:r>
-            <a:endParaRPr sz="2700" b="0" i="0">
-              <a:latin typeface="Calibri"/>
-            </a:endParaRPr>
-          </a:p>
-          <a:p>
-            <a:r>
-              <a:rPr sz="2700" b="0" i="0">
-                <a:latin typeface="Calibri"/>
-              </a:rPr>
-              <a:t>\end{equation}</a:t>
-            </a:r>
-            <a:endParaRPr sz="2700" b="0" i="0">
-              <a:latin typeface="Calibri"/>
-            </a:endParaRPr>
-          </a:p>
-        </p:txBody>
-      </p:sp>
+        </p:spPr>
+      </p:pic>
     </p:spTree>
   </p:cSld>
   <p:clrMapOvr>
@@ -8385,24 +5900,7 @@
       <p:grpSpPr/>
       <p:sp>
         <p:nvSpPr>
-          <p:cNvPr id="2" name="Content Placeholder 1"/>
-          <p:cNvSpPr>
-            <a:spLocks noGrp="1"/>
-          </p:cNvSpPr>
-          <p:nvPr>
-            <p:ph idx="1"/>
-          </p:nvPr>
-        </p:nvSpPr>
-        <p:spPr/>
-        <p:txBody>
-          <a:bodyPr/>
-          <a:lstStyle/>
-          <a:p/>
-        </p:txBody>
-      </p:sp>
-      <p:sp>
-        <p:nvSpPr>
-          <p:cNvPr id="3" name="Title 2"/>
+          <p:cNvPr id="2" name="Title 1"/>
           <p:cNvSpPr>
             <a:spLocks noGrp="1"/>
           </p:cNvSpPr>
@@ -8421,7 +5919,7 @@
               <a:rPr sz="3200" b="1" i="0">
                 <a:latin typeface="Arial"/>
               </a:rPr>
-              <a:t>Weerstandsvergelijking</a:t>
+              <a:t>niet-ideale spanningsbron</a:t>
             </a:r>
             <a:endParaRPr sz="3200" b="1" i="0">
               <a:latin typeface="Arial"/>
@@ -8429,62 +5927,30 @@
           </a:p>
         </p:txBody>
       </p:sp>
-      <p:sp>
-        <p:nvSpPr>
-          <p:cNvPr id="4" name="TextBox 3"/>
-          <p:cNvSpPr txBox="1"/>
+      <p:pic>
+        <p:nvPicPr>
+          <p:cNvPr id="3" name="Picture 2" descr="image.png"/>
+          <p:cNvPicPr>
+            <a:picLocks noChangeAspect="1"/>
+          </p:cNvPicPr>
           <p:nvPr/>
-        </p:nvSpPr>
-        <p:spPr>
-          <a:xfrm>
-            <a:off x="914400" y="2084831"/>
-            <a:ext cx="9144000" cy="1828800"/>
+        </p:nvPicPr>
+        <p:blipFill>
+          <a:blip r:embed="rId2"/>
+          <a:stretch>
+            <a:fillRect/>
+          </a:stretch>
+        </p:blipFill>
+        <p:spPr>
+          <a:xfrm>
+            <a:off x="0" y="1179576"/>
+            <a:ext cx="12192000" cy="5029200"/>
           </a:xfrm>
           <a:prstGeom prst="rect">
             <a:avLst/>
           </a:prstGeom>
-          <a:noFill/>
-        </p:spPr>
-        <p:txBody>
-          <a:bodyPr wrap="square">
-            <a:noAutofit/>
-          </a:bodyPr>
-          <a:lstStyle/>
-          <a:p>
-            <a:r>
-              <a:rPr sz="3000" b="0" i="0">
-                <a:latin typeface="Calibri"/>
-              </a:rPr>
-              <a:t>\begin{equation}\label{eq:cond3}</a:t>
-            </a:r>
-            <a:endParaRPr sz="3000" b="0" i="0">
-              <a:latin typeface="Calibri"/>
-            </a:endParaRPr>
-          </a:p>
-          <a:p>
-            <a:r>
-              <a:rPr sz="3000" b="0" i="0">
-                <a:latin typeface="Calibri"/>
-              </a:rPr>
-              <a:t>V_i-V_j - R I_{ij} = 0.</a:t>
-            </a:r>
-            <a:endParaRPr sz="3000" b="0" i="0">
-              <a:latin typeface="Calibri"/>
-            </a:endParaRPr>
-          </a:p>
-          <a:p>
-            <a:r>
-              <a:rPr sz="3000" b="0" i="0">
-                <a:latin typeface="Calibri"/>
-              </a:rPr>
-              <a:t>\end{equation}</a:t>
-            </a:r>
-            <a:endParaRPr sz="3000" b="0" i="0">
-              <a:latin typeface="Calibri"/>
-            </a:endParaRPr>
-          </a:p>
-        </p:txBody>
-      </p:sp>
+        </p:spPr>
+      </p:pic>
     </p:spTree>
   </p:cSld>
   <p:clrMapOvr>
@@ -8505,24 +5971,7 @@
       <p:grpSpPr/>
       <p:sp>
         <p:nvSpPr>
-          <p:cNvPr id="2" name="Content Placeholder 1"/>
-          <p:cNvSpPr>
-            <a:spLocks noGrp="1"/>
-          </p:cNvSpPr>
-          <p:nvPr>
-            <p:ph idx="1"/>
-          </p:nvPr>
-        </p:nvSpPr>
-        <p:spPr/>
-        <p:txBody>
-          <a:bodyPr/>
-          <a:lstStyle/>
-          <a:p/>
-        </p:txBody>
-      </p:sp>
-      <p:sp>
-        <p:nvSpPr>
-          <p:cNvPr id="3" name="Title 2"/>
+          <p:cNvPr id="2" name="Title 1"/>
           <p:cNvSpPr>
             <a:spLocks noGrp="1"/>
           </p:cNvSpPr>
@@ -8541,7 +5990,7 @@
               <a:rPr sz="3200" b="1" i="0">
                 <a:latin typeface="Arial"/>
               </a:rPr>
-              <a:t>Alternatieve stempel van de weerstand</a:t>
+              <a:t>Schema ideale spanningsbron</a:t>
             </a:r>
             <a:endParaRPr sz="3200" b="1" i="0">
               <a:latin typeface="Arial"/>
@@ -8549,150 +5998,30 @@
           </a:p>
         </p:txBody>
       </p:sp>
-      <p:sp>
-        <p:nvSpPr>
-          <p:cNvPr id="4" name="TextBox 3"/>
-          <p:cNvSpPr txBox="1"/>
+      <p:pic>
+        <p:nvPicPr>
+          <p:cNvPr id="3" name="Picture 2" descr="image.png"/>
+          <p:cNvPicPr>
+            <a:picLocks noChangeAspect="1"/>
+          </p:cNvPicPr>
           <p:nvPr/>
-        </p:nvSpPr>
-        <p:spPr>
-          <a:xfrm>
-            <a:off x="914400" y="2084831"/>
-            <a:ext cx="9144000" cy="1828800"/>
+        </p:nvPicPr>
+        <p:blipFill>
+          <a:blip r:embed="rId2"/>
+          <a:stretch>
+            <a:fillRect/>
+          </a:stretch>
+        </p:blipFill>
+        <p:spPr>
+          <a:xfrm>
+            <a:off x="3028451" y="1179576"/>
+            <a:ext cx="6135097" cy="5029200"/>
           </a:xfrm>
           <a:prstGeom prst="rect">
             <a:avLst/>
           </a:prstGeom>
-          <a:noFill/>
-        </p:spPr>
-        <p:txBody>
-          <a:bodyPr wrap="square">
-            <a:noAutofit/>
-          </a:bodyPr>
-          <a:lstStyle/>
-          <a:p>
-            <a:r>
-              <a:rPr sz="2100" b="0" i="0">
-                <a:latin typeface="Calibri"/>
-              </a:rPr>
-              <a:t>\begin{equation}\label{eq:MatrixR2}</a:t>
-            </a:r>
-            <a:endParaRPr sz="2100" b="0" i="0">
-              <a:latin typeface="Calibri"/>
-            </a:endParaRPr>
-          </a:p>
-          <a:p>
-            <a:r>
-              <a:rPr sz="2100" b="0" i="0">
-                <a:latin typeface="Calibri"/>
-              </a:rPr>
-              <a:t>\begin{bmatrix}\vdots &amp;  &amp; \vdots &amp;   &amp; \vdots &amp; &amp; \vdots \\</a:t>
-            </a:r>
-            <a:endParaRPr sz="2100" b="0" i="0">
-              <a:latin typeface="Calibri"/>
-            </a:endParaRPr>
-          </a:p>
-          <a:p>
-            <a:r>
-              <a:rPr sz="2100" b="0" i="0">
-                <a:latin typeface="Calibri"/>
-              </a:rPr>
-              <a:t>\dots &amp;  &amp; \dots &amp;   &amp; \dots &amp; 1 &amp; \dots \\</a:t>
-            </a:r>
-            <a:endParaRPr sz="2100" b="0" i="0">
-              <a:latin typeface="Calibri"/>
-            </a:endParaRPr>
-          </a:p>
-          <a:p>
-            <a:r>
-              <a:rPr sz="2100" b="0" i="0">
-                <a:latin typeface="Calibri"/>
-              </a:rPr>
-              <a:t>\vdots &amp;  &amp; \vdots &amp;   &amp; \vdots &amp; &amp; \vdots \\</a:t>
-            </a:r>
-            <a:endParaRPr sz="2100" b="0" i="0">
-              <a:latin typeface="Calibri"/>
-            </a:endParaRPr>
-          </a:p>
-          <a:p>
-            <a:r>
-              <a:rPr sz="2100" b="0" i="0">
-                <a:latin typeface="Calibri"/>
-              </a:rPr>
-              <a:t>\dots &amp;   &amp; \dots &amp;  &amp; \dots &amp; -1 &amp; \dots \\</a:t>
-            </a:r>
-            <a:endParaRPr sz="2100" b="0" i="0">
-              <a:latin typeface="Calibri"/>
-            </a:endParaRPr>
-          </a:p>
-          <a:p>
-            <a:r>
-              <a:rPr sz="2100" b="0" i="0">
-                <a:latin typeface="Calibri"/>
-              </a:rPr>
-              <a:t>\vdots &amp;  &amp; \vdots &amp;   &amp; \vdots &amp; &amp; \vdots \\</a:t>
-            </a:r>
-            <a:endParaRPr sz="2100" b="0" i="0">
-              <a:latin typeface="Calibri"/>
-            </a:endParaRPr>
-          </a:p>
-          <a:p>
-            <a:r>
-              <a:rPr sz="2100" b="0" i="0">
-                <a:latin typeface="Calibri"/>
-              </a:rPr>
-              <a:t>\dots &amp; 1 &amp; \dots &amp; -1 &amp; \dots &amp; -R &amp; \dots \\</a:t>
-            </a:r>
-            <a:endParaRPr sz="2100" b="0" i="0">
-              <a:latin typeface="Calibri"/>
-            </a:endParaRPr>
-          </a:p>
-          <a:p>
-            <a:r>
-              <a:rPr sz="2100" b="0" i="0">
-                <a:latin typeface="Calibri"/>
-              </a:rPr>
-              <a:t>\vdots &amp;  &amp; \vdots &amp;   &amp; \vdots &amp; &amp; \vdots</a:t>
-            </a:r>
-            <a:endParaRPr sz="2100" b="0" i="0">
-              <a:latin typeface="Calibri"/>
-            </a:endParaRPr>
-          </a:p>
-          <a:p>
-            <a:r>
-              <a:rPr sz="2100" b="0" i="0">
-                <a:latin typeface="Calibri"/>
-              </a:rPr>
-              <a:t>\end{bmatrix}  \begin{bmatrix} \vdots \\ V_i \\ \vdots \\  V_j \\ \vdots \\ I_{ij} \\ \vdots</a:t>
-            </a:r>
-            <a:endParaRPr sz="2100" b="0" i="0">
-              <a:latin typeface="Calibri"/>
-            </a:endParaRPr>
-          </a:p>
-          <a:p>
-            <a:r>
-              <a:rPr sz="2100" b="0" i="0">
-                <a:latin typeface="Calibri"/>
-              </a:rPr>
-              <a:t>\end{bmatrix} =\begin{bmatrix} \vdots \\  0 \\ \vdots \\   0 \\ \vdots \\ 0  \\ \vdots \end{bmatrix}</a:t>
-            </a:r>
-            <a:endParaRPr sz="2100" b="0" i="0">
-              <a:latin typeface="Calibri"/>
-            </a:endParaRPr>
-          </a:p>
-          <a:p>
-            <a:r>
-              <a:rPr sz="2100" b="0" i="0">
-                <a:latin typeface="Calibri"/>
-              </a:rPr>
-              <a:t>\end{equation}</a:t>
-            </a:r>
-            <a:endParaRPr sz="2100" b="0" i="0">
-              <a:latin typeface="Calibri"/>
-            </a:endParaRPr>
-          </a:p>
-        </p:txBody>
-      </p:sp>
+        </p:spPr>
+      </p:pic>
     </p:spTree>
   </p:cSld>
   <p:clrMapOvr>
@@ -8732,7 +6061,7 @@
               <a:rPr sz="3200" b="1" i="0">
                 <a:latin typeface="Arial"/>
               </a:rPr>
-              <a:t>Condensator schema</a:t>
+              <a:t>Transformator componenten</a:t>
             </a:r>
             <a:endParaRPr sz="3200" b="1" i="0">
               <a:latin typeface="Arial"/>
@@ -8756,8 +6085,8 @@
         </p:blipFill>
         <p:spPr>
           <a:xfrm>
-            <a:off x="1811866" y="1179576"/>
-            <a:ext cx="8568267" cy="5029200"/>
+            <a:off x="2254678" y="1179576"/>
+            <a:ext cx="7682643" cy="5029200"/>
           </a:xfrm>
           <a:prstGeom prst="rect">
             <a:avLst/>
@@ -8784,24 +6113,7 @@
       <p:grpSpPr/>
       <p:sp>
         <p:nvSpPr>
-          <p:cNvPr id="2" name="Content Placeholder 1"/>
-          <p:cNvSpPr>
-            <a:spLocks noGrp="1"/>
-          </p:cNvSpPr>
-          <p:nvPr>
-            <p:ph idx="1"/>
-          </p:nvPr>
-        </p:nvSpPr>
-        <p:spPr/>
-        <p:txBody>
-          <a:bodyPr/>
-          <a:lstStyle/>
-          <a:p/>
-        </p:txBody>
-      </p:sp>
-      <p:sp>
-        <p:nvSpPr>
-          <p:cNvPr id="3" name="Title 2"/>
+          <p:cNvPr id="2" name="Title 1"/>
           <p:cNvSpPr>
             <a:spLocks noGrp="1"/>
           </p:cNvSpPr>
@@ -8811,79 +6123,35 @@
         </p:nvSpPr>
         <p:spPr/>
         <p:txBody>
-          <a:bodyPr wrap="square">
-            <a:noAutofit/>
-          </a:bodyPr>
+          <a:bodyPr/>
           <a:lstStyle/>
-          <a:p>
-            <a:r>
-              <a:rPr sz="3200" b="1" i="0">
-                <a:latin typeface="Arial"/>
-              </a:rPr>
-              <a:t>Condensator vergelijking</a:t>
-            </a:r>
-            <a:endParaRPr sz="3200" b="1" i="0">
-              <a:latin typeface="Arial"/>
-            </a:endParaRPr>
-          </a:p>
-        </p:txBody>
-      </p:sp>
-      <p:sp>
-        <p:nvSpPr>
-          <p:cNvPr id="4" name="TextBox 3"/>
-          <p:cNvSpPr txBox="1"/>
+          <a:p/>
+        </p:txBody>
+      </p:sp>
+      <p:pic>
+        <p:nvPicPr>
+          <p:cNvPr id="3" name="Picture 2" descr="image.png"/>
+          <p:cNvPicPr>
+            <a:picLocks noChangeAspect="1"/>
+          </p:cNvPicPr>
           <p:nvPr/>
-        </p:nvSpPr>
-        <p:spPr>
-          <a:xfrm>
-            <a:off x="914400" y="2084831"/>
-            <a:ext cx="9144000" cy="1828800"/>
+        </p:nvPicPr>
+        <p:blipFill>
+          <a:blip r:embed="rId2"/>
+          <a:stretch>
+            <a:fillRect/>
+          </a:stretch>
+        </p:blipFill>
+        <p:spPr>
+          <a:xfrm>
+            <a:off x="3477857" y="1179576"/>
+            <a:ext cx="5236285" cy="5029200"/>
           </a:xfrm>
           <a:prstGeom prst="rect">
             <a:avLst/>
           </a:prstGeom>
-          <a:noFill/>
-        </p:spPr>
-        <p:txBody>
-          <a:bodyPr wrap="square">
-            <a:noAutofit/>
-          </a:bodyPr>
-          <a:lstStyle/>
-          <a:p>
-            <a:r>
-              <a:rPr sz="3000" b="0" i="0">
-                <a:latin typeface="Calibri"/>
-              </a:rPr>
-              <a:t>\begin{equation}\label{eq:ccc}</a:t>
-            </a:r>
-            <a:endParaRPr sz="3000" b="0" i="0">
-              <a:latin typeface="Calibri"/>
-            </a:endParaRPr>
-          </a:p>
-          <a:p>
-            <a:r>
-              <a:rPr sz="3000" b="0" i="0">
-                <a:latin typeface="Calibri"/>
-              </a:rPr>
-              <a:t>j\omega C (V_i-V_j) =  j\omega C  V_i - j\omega C V_j,</a:t>
-            </a:r>
-            <a:endParaRPr sz="3000" b="0" i="0">
-              <a:latin typeface="Calibri"/>
-            </a:endParaRPr>
-          </a:p>
-          <a:p>
-            <a:r>
-              <a:rPr sz="3000" b="0" i="0">
-                <a:latin typeface="Calibri"/>
-              </a:rPr>
-              <a:t>\end{equation}</a:t>
-            </a:r>
-            <a:endParaRPr sz="3000" b="0" i="0">
-              <a:latin typeface="Calibri"/>
-            </a:endParaRPr>
-          </a:p>
-        </p:txBody>
-      </p:sp>
+        </p:spPr>
+      </p:pic>
     </p:spTree>
   </p:cSld>
   <p:clrMapOvr>
@@ -8902,174 +6170,6 @@
         <p:nvPr/>
       </p:nvGrpSpPr>
       <p:grpSpPr/>
-      <p:sp>
-        <p:nvSpPr>
-          <p:cNvPr id="2" name="Content Placeholder 1"/>
-          <p:cNvSpPr>
-            <a:spLocks noGrp="1"/>
-          </p:cNvSpPr>
-          <p:nvPr>
-            <p:ph idx="1"/>
-          </p:nvPr>
-        </p:nvSpPr>
-        <p:spPr/>
-        <p:txBody>
-          <a:bodyPr/>
-          <a:lstStyle/>
-          <a:p/>
-        </p:txBody>
-      </p:sp>
-      <p:sp>
-        <p:nvSpPr>
-          <p:cNvPr id="3" name="Title 2"/>
-          <p:cNvSpPr>
-            <a:spLocks noGrp="1"/>
-          </p:cNvSpPr>
-          <p:nvPr>
-            <p:ph type="title"/>
-          </p:nvPr>
-        </p:nvSpPr>
-        <p:spPr/>
-        <p:txBody>
-          <a:bodyPr wrap="square">
-            <a:noAutofit/>
-          </a:bodyPr>
-          <a:lstStyle/>
-          <a:p>
-            <a:r>
-              <a:rPr sz="3200" b="1" i="0">
-                <a:latin typeface="Arial"/>
-              </a:rPr>
-              <a:t>Stempel van de condensator</a:t>
-            </a:r>
-            <a:endParaRPr sz="3200" b="1" i="0">
-              <a:latin typeface="Arial"/>
-            </a:endParaRPr>
-          </a:p>
-        </p:txBody>
-      </p:sp>
-      <p:sp>
-        <p:nvSpPr>
-          <p:cNvPr id="4" name="TextBox 3"/>
-          <p:cNvSpPr txBox="1"/>
-          <p:nvPr/>
-        </p:nvSpPr>
-        <p:spPr>
-          <a:xfrm>
-            <a:off x="914400" y="2084831"/>
-            <a:ext cx="9144000" cy="1828800"/>
-          </a:xfrm>
-          <a:prstGeom prst="rect">
-            <a:avLst/>
-          </a:prstGeom>
-          <a:noFill/>
-        </p:spPr>
-        <p:txBody>
-          <a:bodyPr wrap="square">
-            <a:noAutofit/>
-          </a:bodyPr>
-          <a:lstStyle/>
-          <a:p>
-            <a:r>
-              <a:rPr sz="2400" b="0" i="0">
-                <a:latin typeface="Calibri"/>
-              </a:rPr>
-              <a:t>\begin{equation}\label{eq:MatrixC}</a:t>
-            </a:r>
-            <a:endParaRPr sz="2400" b="0" i="0">
-              <a:latin typeface="Calibri"/>
-            </a:endParaRPr>
-          </a:p>
-          <a:p>
-            <a:r>
-              <a:rPr sz="2400" b="0" i="0">
-                <a:latin typeface="Calibri"/>
-              </a:rPr>
-              <a:t>\begin{bmatrix}\vdots &amp;  &amp; \vdots &amp;   &amp; \vdots \\</a:t>
-            </a:r>
-            <a:endParaRPr sz="2400" b="0" i="0">
-              <a:latin typeface="Calibri"/>
-            </a:endParaRPr>
-          </a:p>
-          <a:p>
-            <a:r>
-              <a:rPr sz="2400" b="0" i="0">
-                <a:latin typeface="Calibri"/>
-              </a:rPr>
-              <a:t>\dots &amp; j\omega C  &amp; \dots &amp; -j\omega C &amp; \dots\\</a:t>
-            </a:r>
-            <a:endParaRPr sz="2400" b="0" i="0">
-              <a:latin typeface="Calibri"/>
-            </a:endParaRPr>
-          </a:p>
-          <a:p>
-            <a:r>
-              <a:rPr sz="2400" b="0" i="0">
-                <a:latin typeface="Calibri"/>
-              </a:rPr>
-              <a:t>\vdots &amp;  &amp; \vdots &amp;   &amp; \vdots \\</a:t>
-            </a:r>
-            <a:endParaRPr sz="2400" b="0" i="0">
-              <a:latin typeface="Calibri"/>
-            </a:endParaRPr>
-          </a:p>
-          <a:p>
-            <a:r>
-              <a:rPr sz="2400" b="0" i="0">
-                <a:latin typeface="Calibri"/>
-              </a:rPr>
-              <a:t>\dots &amp; -j\omega C &amp; \dots &amp; j\omega C  &amp; \dots \\ </a:t>
-            </a:r>
-            <a:endParaRPr sz="2400" b="0" i="0">
-              <a:latin typeface="Calibri"/>
-            </a:endParaRPr>
-          </a:p>
-          <a:p>
-            <a:r>
-              <a:rPr sz="2400" b="0" i="0">
-                <a:latin typeface="Calibri"/>
-              </a:rPr>
-              <a:t>\vdots &amp;  &amp; \vdots &amp;  &amp; \vdots</a:t>
-            </a:r>
-            <a:endParaRPr sz="2400" b="0" i="0">
-              <a:latin typeface="Calibri"/>
-            </a:endParaRPr>
-          </a:p>
-          <a:p>
-            <a:r>
-              <a:rPr sz="2400" b="0" i="0">
-                <a:latin typeface="Calibri"/>
-              </a:rPr>
-              <a:t>\end{bmatrix}  \begin{bmatrix} \vdots \\ V_i \\ \vdots \\ V_j \\ \vdots</a:t>
-            </a:r>
-            <a:endParaRPr sz="2400" b="0" i="0">
-              <a:latin typeface="Calibri"/>
-            </a:endParaRPr>
-          </a:p>
-          <a:p>
-            <a:r>
-              <a:rPr sz="2400" b="0" i="0">
-                <a:latin typeface="Calibri"/>
-              </a:rPr>
-              <a:t>\end{bmatrix} =\begin{bmatrix} \vdots \\  0 \\ \vdots \\ 0  \\ \vdots \end{bmatrix}</a:t>
-            </a:r>
-            <a:endParaRPr sz="2400" b="0" i="0">
-              <a:latin typeface="Calibri"/>
-            </a:endParaRPr>
-          </a:p>
-          <a:p>
-            <a:r>
-              <a:rPr sz="2400" b="0" i="0">
-                <a:latin typeface="Calibri"/>
-              </a:rPr>
-              <a:t>\end{equation}</a:t>
-            </a:r>
-            <a:endParaRPr sz="2400" b="0" i="0">
-              <a:latin typeface="Calibri"/>
-            </a:endParaRPr>
-          </a:p>
-        </p:txBody>
-      </p:sp>
     </p:spTree>
   </p:cSld>
   <p:clrMapOvr>

--- a/AnalogeElektronica2/PowerPoint/berekening.pptx
+++ b/AnalogeElektronica2/PowerPoint/berekening.pptx
@@ -5730,8 +5730,8 @@
         </p:blipFill>
         <p:spPr>
           <a:xfrm>
-            <a:off x="1811866" y="1179576"/>
-            <a:ext cx="8568267" cy="5029200"/>
+            <a:off x="1344506" y="566928"/>
+            <a:ext cx="9502987" cy="5577840"/>
           </a:xfrm>
           <a:prstGeom prst="rect">
             <a:avLst/>
@@ -5801,8 +5801,8 @@
         </p:blipFill>
         <p:spPr>
           <a:xfrm>
-            <a:off x="1811866" y="1179576"/>
-            <a:ext cx="8568267" cy="5029200"/>
+            <a:off x="1344506" y="566928"/>
+            <a:ext cx="9502987" cy="5577840"/>
           </a:xfrm>
           <a:prstGeom prst="rect">
             <a:avLst/>
@@ -5872,8 +5872,8 @@
         </p:blipFill>
         <p:spPr>
           <a:xfrm>
-            <a:off x="1559859" y="1179576"/>
-            <a:ext cx="9072282" cy="5029200"/>
+            <a:off x="1065007" y="566928"/>
+            <a:ext cx="10061986" cy="5577840"/>
           </a:xfrm>
           <a:prstGeom prst="rect">
             <a:avLst/>
@@ -5943,8 +5943,8 @@
         </p:blipFill>
         <p:spPr>
           <a:xfrm>
-            <a:off x="0" y="1179576"/>
-            <a:ext cx="12192000" cy="5029200"/>
+            <a:off x="0" y="566928"/>
+            <a:ext cx="12192000" cy="5577840"/>
           </a:xfrm>
           <a:prstGeom prst="rect">
             <a:avLst/>
@@ -6014,8 +6014,8 @@
         </p:blipFill>
         <p:spPr>
           <a:xfrm>
-            <a:off x="3028451" y="1179576"/>
-            <a:ext cx="6135097" cy="5029200"/>
+            <a:off x="2693809" y="566928"/>
+            <a:ext cx="6804381" cy="5577840"/>
           </a:xfrm>
           <a:prstGeom prst="rect">
             <a:avLst/>
@@ -6085,8 +6085,8 @@
         </p:blipFill>
         <p:spPr>
           <a:xfrm>
-            <a:off x="2254678" y="1179576"/>
-            <a:ext cx="7682643" cy="5029200"/>
+            <a:off x="1835625" y="566928"/>
+            <a:ext cx="8520749" cy="5577840"/>
           </a:xfrm>
           <a:prstGeom prst="rect">
             <a:avLst/>
@@ -6144,8 +6144,8 @@
         </p:blipFill>
         <p:spPr>
           <a:xfrm>
-            <a:off x="3477857" y="1179576"/>
-            <a:ext cx="5236285" cy="5029200"/>
+            <a:off x="3192242" y="566928"/>
+            <a:ext cx="5807516" cy="5577840"/>
           </a:xfrm>
           <a:prstGeom prst="rect">
             <a:avLst/>

--- a/AnalogeElektronica2/PowerPoint/berekening.pptx
+++ b/AnalogeElektronica2/PowerPoint/berekening.pptx
@@ -1,6 +1,6 @@
 
 <file path=ppt/presentation.xml><?xml version="1.0" encoding="utf-8"?>
-<p:presentation xmlns:a="http://schemas.openxmlformats.org/drawingml/2006/main" xmlns:r="http://schemas.openxmlformats.org/officeDocument/2006/relationships" xmlns:p="http://schemas.openxmlformats.org/presentationml/2006/main" saveSubsetFonts="1" autoCompressPictures="0">
+<p:presentation xmlns:a="http://schemas.openxmlformats.org/drawingml/2006/main" xmlns:r="http://schemas.openxmlformats.org/officeDocument/2006/relationships" xmlns:p="http://schemas.openxmlformats.org/presentationml/2006/main" showSpecialPlsOnTitleSld="0" saveSubsetFonts="1" autoCompressPictures="0">
   <p:sldMasterIdLst>
     <p:sldMasterId id="2147483648" r:id="rId4"/>
   </p:sldMasterIdLst>
@@ -683,7 +683,7 @@
           <a:p>
             <a:fld id="{8F591CCF-F6FD-734B-854A-5BC033593B1E}" type="datetimeFigureOut">
               <a:rPr lang="nl-NL" smtClean="0"/>
-              <a:t>21-9-2025</a:t>
+              <a:t>28-9-2025</a:t>
             </a:fld>
             <a:endParaRPr lang="nl-NL"/>
           </a:p>
@@ -848,7 +848,7 @@
           <a:p>
             <a:fld id="{23C66214-DB21-4647-B5DA-0D17CA592867}" type="datetimeFigureOut">
               <a:rPr lang="nl-NL" smtClean="0"/>
-              <a:t>21-9-2025</a:t>
+              <a:t>28-9-2025</a:t>
             </a:fld>
             <a:endParaRPr lang="nl-NL"/>
           </a:p>
@@ -1457,9 +1457,9 @@
           <a:bodyPr/>
           <a:lstStyle/>
           <a:p>
-            <a:fld id="{D15822B7-9EF6-9542-AF10-CD505E021A84}" type="datetime1">
+            <a:fld id="{39E7E716-59E8-42BC-97BF-DDA9E59ADEE7}" type="datetime1">
               <a:rPr lang="nl-BE" smtClean="0"/>
-              <a:t>21/09/2025</a:t>
+              <a:t>28/09/2025</a:t>
             </a:fld>
             <a:endParaRPr lang="nl-NL"/>
           </a:p>
@@ -1491,7 +1491,7 @@
           <a:bodyPr/>
           <a:lstStyle/>
           <a:p>
-            <a:endParaRPr lang="nl-NL"/>
+            <a:endParaRPr lang="nl-NL" dirty="0"/>
           </a:p>
         </p:txBody>
       </p:sp>
@@ -1707,9 +1707,9 @@
           <a:bodyPr/>
           <a:lstStyle/>
           <a:p>
-            <a:fld id="{D15822B7-9EF6-9542-AF10-CD505E021A84}" type="datetime1">
+            <a:fld id="{68285E84-F3E9-4DE0-AF5C-DC32311C51B6}" type="datetime1">
               <a:rPr lang="nl-BE" smtClean="0"/>
-              <a:t>21/09/2025</a:t>
+              <a:t>28/09/2025</a:t>
             </a:fld>
             <a:endParaRPr lang="nl-NL"/>
           </a:p>
@@ -1990,9 +1990,9 @@
           <a:bodyPr/>
           <a:lstStyle/>
           <a:p>
-            <a:fld id="{F52CA13D-CC20-034F-8D4D-5C3038626ED9}" type="datetime1">
+            <a:fld id="{86D712DB-13D1-48DF-8D74-EA2A0D6A1295}" type="datetime1">
               <a:rPr lang="nl-BE" smtClean="0"/>
-              <a:t>21/09/2025</a:t>
+              <a:t>28/09/2025</a:t>
             </a:fld>
             <a:endParaRPr lang="nl-NL"/>
           </a:p>
@@ -2342,9 +2342,9 @@
           <a:bodyPr/>
           <a:lstStyle/>
           <a:p>
-            <a:fld id="{F52CA13D-CC20-034F-8D4D-5C3038626ED9}" type="datetime1">
+            <a:fld id="{EE55F63B-E5C2-47C9-B767-96A09BC63624}" type="datetime1">
               <a:rPr lang="nl-BE" smtClean="0"/>
-              <a:t>21/09/2025</a:t>
+              <a:t>28/09/2025</a:t>
             </a:fld>
             <a:endParaRPr lang="nl-NL"/>
           </a:p>
@@ -3575,9 +3575,9 @@
           <a:bodyPr/>
           <a:lstStyle/>
           <a:p>
-            <a:fld id="{F52CA13D-CC20-034F-8D4D-5C3038626ED9}" type="datetime1">
+            <a:fld id="{0445AAF3-F212-43BB-932B-DD1A31841819}" type="datetime1">
               <a:rPr lang="nl-BE" smtClean="0"/>
-              <a:t>21/09/2025</a:t>
+              <a:t>28/09/2025</a:t>
             </a:fld>
             <a:endParaRPr lang="nl-NL"/>
           </a:p>
@@ -3796,9 +3796,9 @@
           <a:bodyPr/>
           <a:lstStyle/>
           <a:p>
-            <a:fld id="{F52CA13D-CC20-034F-8D4D-5C3038626ED9}" type="datetime1">
+            <a:fld id="{215EBCC0-C3A3-417F-962F-876AE60FF46F}" type="datetime1">
               <a:rPr lang="nl-BE" smtClean="0"/>
-              <a:t>21/09/2025</a:t>
+              <a:t>28/09/2025</a:t>
             </a:fld>
             <a:endParaRPr lang="nl-NL"/>
           </a:p>
@@ -4087,9 +4087,9 @@
           <a:bodyPr/>
           <a:lstStyle/>
           <a:p>
-            <a:fld id="{F52CA13D-CC20-034F-8D4D-5C3038626ED9}" type="datetime1">
+            <a:fld id="{5087A35E-C6EC-4A6C-A286-9B263B20AC20}" type="datetime1">
               <a:rPr lang="nl-BE" smtClean="0"/>
-              <a:t>21/09/2025</a:t>
+              <a:t>28/09/2025</a:t>
             </a:fld>
             <a:endParaRPr lang="nl-NL"/>
           </a:p>
@@ -4341,9 +4341,9 @@
           <a:bodyPr/>
           <a:lstStyle/>
           <a:p>
-            <a:fld id="{F52CA13D-CC20-034F-8D4D-5C3038626ED9}" type="datetime1">
+            <a:fld id="{4B9B00E3-DE57-4EA4-A886-8AA88F9577D7}" type="datetime1">
               <a:rPr lang="nl-BE" smtClean="0"/>
-              <a:t>21/09/2025</a:t>
+              <a:t>28/09/2025</a:t>
             </a:fld>
             <a:endParaRPr lang="nl-NL"/>
           </a:p>
@@ -4554,9 +4554,9 @@
           <a:bodyPr/>
           <a:lstStyle/>
           <a:p>
-            <a:fld id="{D15822B7-9EF6-9542-AF10-CD505E021A84}" type="datetime1">
+            <a:fld id="{1631A466-BC4F-407D-A3EA-76F6655478F0}" type="datetime1">
               <a:rPr lang="nl-BE" smtClean="0"/>
-              <a:t>21/09/2025</a:t>
+              <a:t>28/09/2025</a:t>
             </a:fld>
             <a:endParaRPr lang="nl-NL"/>
           </a:p>
@@ -4745,9 +4745,9 @@
           <a:bodyPr/>
           <a:lstStyle/>
           <a:p>
-            <a:fld id="{D15822B7-9EF6-9542-AF10-CD505E021A84}" type="datetime1">
+            <a:fld id="{7CF5F32B-E94B-420F-86D9-59A9E32E05E1}" type="datetime1">
               <a:rPr lang="nl-BE" smtClean="0"/>
-              <a:t>21/09/2025</a:t>
+              <a:t>28/09/2025</a:t>
             </a:fld>
             <a:endParaRPr lang="nl-NL"/>
           </a:p>
@@ -5103,9 +5103,9 @@
             </a:lvl1pPr>
           </a:lstStyle>
           <a:p>
-            <a:fld id="{0C33DDE8-63FF-C642-9F3A-0B773DD34821}" type="datetime1">
+            <a:fld id="{341CC9F9-C2CE-4031-804C-1F2576E1A82A}" type="datetime1">
               <a:rPr lang="nl-BE" smtClean="0"/>
-              <a:t>21/09/2025</a:t>
+              <a:t>28/09/2025</a:t>
             </a:fld>
             <a:endParaRPr lang="nl-NL"/>
           </a:p>
@@ -5241,7 +5241,7 @@
     <p:sldLayoutId id="2147483670" r:id="rId12"/>
     <p:sldLayoutId id="2147483651" r:id="rId13"/>
   </p:sldLayoutIdLst>
-  <p:hf hdr="0" ftr="0" dt="0"/>
+  <p:hf hdr="0" dt="0"/>
   <p:txStyles>
     <p:titleStyle>
       <a:lvl1pPr algn="l" defTabSz="914400" rtl="0" eaLnBrk="1" latinLnBrk="0" hangingPunct="1">
@@ -6962,26 +6962,6 @@
 </file>
 
 <file path=customXml/item1.xml><?xml version="1.0" encoding="utf-8"?>
-<p:properties xmlns:p="http://schemas.microsoft.com/office/2006/metadata/properties" xmlns:xsi="http://www.w3.org/2001/XMLSchema-instance" xmlns:pc="http://schemas.microsoft.com/office/infopath/2007/PartnerControls">
-  <documentManagement>
-    <lcf76f155ced4ddcb4097134ff3c332f xmlns="81d41a3b-f33d-4db6-b532-757106a7a2ae">
-      <Terms xmlns="http://schemas.microsoft.com/office/infopath/2007/PartnerControls"/>
-    </lcf76f155ced4ddcb4097134ff3c332f>
-    <TaxCatchAll xmlns="bf25a9bf-a811-4965-9d0a-b88059080fed" xsi:nil="true"/>
-  </documentManagement>
-</p:properties>
-</file>
-
-<file path=customXml/item2.xml><?xml version="1.0" encoding="utf-8"?>
-<?mso-contentType ?>
-<FormTemplates xmlns="http://schemas.microsoft.com/sharepoint/v3/contenttype/forms">
-  <Display>DocumentLibraryForm</Display>
-  <Edit>DocumentLibraryForm</Edit>
-  <New>DocumentLibraryForm</New>
-</FormTemplates>
-</file>
-
-<file path=customXml/item3.xml><?xml version="1.0" encoding="utf-8"?>
 <ct:contentTypeSchema xmlns:ct="http://schemas.microsoft.com/office/2006/metadata/contentType" xmlns:ma="http://schemas.microsoft.com/office/2006/metadata/properties/metaAttributes" ct:_="" ma:_="" ma:contentTypeName="Document" ma:contentTypeID="0x010100B8C495A181F81B4C9DE5AD85CD0F70D4" ma:contentTypeVersion="18" ma:contentTypeDescription="Een nieuw document maken." ma:contentTypeScope="" ma:versionID="6ba28a59cba4a02a693681f32745d77b">
   <xsd:schema xmlns:xsd="http://www.w3.org/2001/XMLSchema" xmlns:xs="http://www.w3.org/2001/XMLSchema" xmlns:p="http://schemas.microsoft.com/office/2006/metadata/properties" xmlns:ns2="81d41a3b-f33d-4db6-b532-757106a7a2ae" xmlns:ns3="bf25a9bf-a811-4965-9d0a-b88059080fed" targetNamespace="http://schemas.microsoft.com/office/2006/metadata/properties" ma:root="true" ma:fieldsID="b996b4a4c0d83f5cfec71b22aba921d2" ns2:_="" ns3:_="">
     <xsd:import namespace="81d41a3b-f33d-4db6-b532-757106a7a2ae"/>
@@ -7236,32 +7216,27 @@
 </ct:contentTypeSchema>
 </file>
 
-<file path=customXml/itemProps1.xml><?xml version="1.0" encoding="utf-8"?>
-<ds:datastoreItem xmlns:ds="http://schemas.openxmlformats.org/officeDocument/2006/customXml" ds:itemID="{5EE9034D-0B43-4AB0-9535-9A62DB37A999}">
-  <ds:schemaRefs>
-    <ds:schemaRef ds:uri="http://www.w3.org/XML/1998/namespace"/>
-    <ds:schemaRef ds:uri="81d41a3b-f33d-4db6-b532-757106a7a2ae"/>
-    <ds:schemaRef ds:uri="http://purl.org/dc/dcmitype/"/>
-    <ds:schemaRef ds:uri="http://purl.org/dc/elements/1.1/"/>
-    <ds:schemaRef ds:uri="http://schemas.microsoft.com/office/2006/documentManagement/types"/>
-    <ds:schemaRef ds:uri="bf25a9bf-a811-4965-9d0a-b88059080fed"/>
-    <ds:schemaRef ds:uri="http://purl.org/dc/terms/"/>
-    <ds:schemaRef ds:uri="http://schemas.microsoft.com/office/infopath/2007/PartnerControls"/>
-    <ds:schemaRef ds:uri="http://schemas.openxmlformats.org/package/2006/metadata/core-properties"/>
-    <ds:schemaRef ds:uri="http://schemas.microsoft.com/office/2006/metadata/properties"/>
-  </ds:schemaRefs>
-</ds:datastoreItem>
+<file path=customXml/item2.xml><?xml version="1.0" encoding="utf-8"?>
+<?mso-contentType ?>
+<FormTemplates xmlns="http://schemas.microsoft.com/sharepoint/v3/contenttype/forms">
+  <Display>DocumentLibraryForm</Display>
+  <Edit>DocumentLibraryForm</Edit>
+  <New>DocumentLibraryForm</New>
+</FormTemplates>
 </file>
 
-<file path=customXml/itemProps2.xml><?xml version="1.0" encoding="utf-8"?>
-<ds:datastoreItem xmlns:ds="http://schemas.openxmlformats.org/officeDocument/2006/customXml" ds:itemID="{263A7949-1B93-457F-8888-53CC8A016F77}">
-  <ds:schemaRefs>
-    <ds:schemaRef ds:uri="http://schemas.microsoft.com/sharepoint/v3/contenttype/forms"/>
-  </ds:schemaRefs>
-</ds:datastoreItem>
+<file path=customXml/item3.xml><?xml version="1.0" encoding="utf-8"?>
+<p:properties xmlns:p="http://schemas.microsoft.com/office/2006/metadata/properties" xmlns:xsi="http://www.w3.org/2001/XMLSchema-instance" xmlns:pc="http://schemas.microsoft.com/office/infopath/2007/PartnerControls">
+  <documentManagement>
+    <lcf76f155ced4ddcb4097134ff3c332f xmlns="81d41a3b-f33d-4db6-b532-757106a7a2ae">
+      <Terms xmlns="http://schemas.microsoft.com/office/infopath/2007/PartnerControls"/>
+    </lcf76f155ced4ddcb4097134ff3c332f>
+    <TaxCatchAll xmlns="bf25a9bf-a811-4965-9d0a-b88059080fed" xsi:nil="true"/>
+  </documentManagement>
+</p:properties>
 </file>
 
-<file path=customXml/itemProps3.xml><?xml version="1.0" encoding="utf-8"?>
+<file path=customXml/itemProps1.xml><?xml version="1.0" encoding="utf-8"?>
 <ds:datastoreItem xmlns:ds="http://schemas.openxmlformats.org/officeDocument/2006/customXml" ds:itemID="{2A270F01-48F1-4A41-8E26-ACAC66896963}">
   <ds:schemaRefs>
     <ds:schemaRef ds:uri="http://schemas.microsoft.com/office/2006/metadata/contentType"/>
@@ -7278,4 +7253,29 @@
     <ds:schemaRef ds:uri="http://schemas.microsoft.com/internal/obd"/>
   </ds:schemaRefs>
 </ds:datastoreItem>
+</file>
+
+<file path=customXml/itemProps2.xml><?xml version="1.0" encoding="utf-8"?>
+<ds:datastoreItem xmlns:ds="http://schemas.openxmlformats.org/officeDocument/2006/customXml" ds:itemID="{263A7949-1B93-457F-8888-53CC8A016F77}">
+  <ds:schemaRefs>
+    <ds:schemaRef ds:uri="http://schemas.microsoft.com/sharepoint/v3/contenttype/forms"/>
+  </ds:schemaRefs>
+</ds:datastoreItem>
+</file>
+
+<file path=customXml/itemProps3.xml><?xml version="1.0" encoding="utf-8"?>
+<ds:datastoreItem xmlns:ds="http://schemas.openxmlformats.org/officeDocument/2006/customXml" ds:itemID="{5EE9034D-0B43-4AB0-9535-9A62DB37A999}">
+  <ds:schemaRefs>
+    <ds:schemaRef ds:uri="http://www.w3.org/XML/1998/namespace"/>
+    <ds:schemaRef ds:uri="81d41a3b-f33d-4db6-b532-757106a7a2ae"/>
+    <ds:schemaRef ds:uri="http://purl.org/dc/dcmitype/"/>
+    <ds:schemaRef ds:uri="http://purl.org/dc/elements/1.1/"/>
+    <ds:schemaRef ds:uri="http://schemas.microsoft.com/office/2006/documentManagement/types"/>
+    <ds:schemaRef ds:uri="bf25a9bf-a811-4965-9d0a-b88059080fed"/>
+    <ds:schemaRef ds:uri="http://purl.org/dc/terms/"/>
+    <ds:schemaRef ds:uri="http://schemas.microsoft.com/office/infopath/2007/PartnerControls"/>
+    <ds:schemaRef ds:uri="http://schemas.openxmlformats.org/package/2006/metadata/core-properties"/>
+    <ds:schemaRef ds:uri="http://schemas.microsoft.com/office/2006/metadata/properties"/>
+  </ds:schemaRefs>
+</ds:datastoreItem>
 </file>
--- a/AnalogeElektronica2/PowerPoint/berekening.pptx
+++ b/AnalogeElektronica2/PowerPoint/berekening.pptx
@@ -5730,8 +5730,8 @@
         </p:blipFill>
         <p:spPr>
           <a:xfrm>
-            <a:off x="1344506" y="566928"/>
-            <a:ext cx="9502987" cy="5577840"/>
+            <a:off x="1266613" y="566928"/>
+            <a:ext cx="9658773" cy="5669280"/>
           </a:xfrm>
           <a:prstGeom prst="rect">
             <a:avLst/>
@@ -5801,8 +5801,8 @@
         </p:blipFill>
         <p:spPr>
           <a:xfrm>
-            <a:off x="1344506" y="566928"/>
-            <a:ext cx="9502987" cy="5577840"/>
+            <a:off x="1266613" y="566928"/>
+            <a:ext cx="9658773" cy="5669280"/>
           </a:xfrm>
           <a:prstGeom prst="rect">
             <a:avLst/>
@@ -5872,8 +5872,8 @@
         </p:blipFill>
         <p:spPr>
           <a:xfrm>
-            <a:off x="1065007" y="566928"/>
-            <a:ext cx="10061986" cy="5577840"/>
+            <a:off x="982532" y="566928"/>
+            <a:ext cx="10226936" cy="5669280"/>
           </a:xfrm>
           <a:prstGeom prst="rect">
             <a:avLst/>
@@ -5944,7 +5944,7 @@
         <p:spPr>
           <a:xfrm>
             <a:off x="0" y="566928"/>
-            <a:ext cx="12192000" cy="5577840"/>
+            <a:ext cx="12192000" cy="5669280"/>
           </a:xfrm>
           <a:prstGeom prst="rect">
             <a:avLst/>
@@ -6014,8 +6014,8 @@
         </p:blipFill>
         <p:spPr>
           <a:xfrm>
-            <a:off x="2693809" y="566928"/>
-            <a:ext cx="6804381" cy="5577840"/>
+            <a:off x="2638036" y="566928"/>
+            <a:ext cx="6915928" cy="5669280"/>
           </a:xfrm>
           <a:prstGeom prst="rect">
             <a:avLst/>
@@ -6085,8 +6085,8 @@
         </p:blipFill>
         <p:spPr>
           <a:xfrm>
-            <a:off x="1835625" y="566928"/>
-            <a:ext cx="8520749" cy="5577840"/>
+            <a:off x="1765783" y="566928"/>
+            <a:ext cx="8660434" cy="5669280"/>
           </a:xfrm>
           <a:prstGeom prst="rect">
             <a:avLst/>
@@ -6144,8 +6144,8 @@
         </p:blipFill>
         <p:spPr>
           <a:xfrm>
-            <a:off x="3192242" y="566928"/>
-            <a:ext cx="5807516" cy="5577840"/>
+            <a:off x="3144639" y="566928"/>
+            <a:ext cx="5902721" cy="5669280"/>
           </a:xfrm>
           <a:prstGeom prst="rect">
             <a:avLst/>
